--- a/Non-Python Stats Stuff/Slides/Time Series Analysis.pptx
+++ b/Non-Python Stats Stuff/Slides/Time Series Analysis.pptx
@@ -27,6 +27,7 @@
     <p:sldId id="272" r:id="rId22"/>
     <p:sldId id="273" r:id="rId23"/>
     <p:sldId id="274" r:id="rId24"/>
+    <p:sldId id="275" r:id="rId25"/>
   </p:sldIdLst>
   <p:sldSz cy="5143500" cx="9144000"/>
   <p:notesSz cx="6858000" cy="9144000"/>
@@ -808,7 +809,7 @@
   <p:cSld>
     <p:spTree>
       <p:nvGrpSpPr>
-        <p:cNvPr id="113" name="Shape 113"/>
+        <p:cNvPr id="115" name="Shape 115"/>
         <p:cNvGrpSpPr/>
         <p:nvPr/>
       </p:nvGrpSpPr>
@@ -822,7 +823,7 @@
       </p:grpSpPr>
       <p:sp>
         <p:nvSpPr>
-          <p:cNvPr id="114" name="Google Shape;114;g2a3c308f5df_0_6:notes"/>
+          <p:cNvPr id="116" name="Google Shape;116;g2a3c308f5df_0_0:notes"/>
           <p:cNvSpPr/>
           <p:nvPr>
             <p:ph idx="2" type="sldImg"/>
@@ -857,7 +858,7 @@
       </p:sp>
       <p:sp>
         <p:nvSpPr>
-          <p:cNvPr id="115" name="Google Shape;115;g2a3c308f5df_0_6:notes"/>
+          <p:cNvPr id="117" name="Google Shape;117;g2a3c308f5df_0_0:notes"/>
           <p:cNvSpPr txBox="1"/>
           <p:nvPr>
             <p:ph idx="1" type="body"/>
@@ -907,7 +908,7 @@
   <p:cSld>
     <p:spTree>
       <p:nvGrpSpPr>
-        <p:cNvPr id="120" name="Shape 120"/>
+        <p:cNvPr id="122" name="Shape 122"/>
         <p:cNvGrpSpPr/>
         <p:nvPr/>
       </p:nvGrpSpPr>
@@ -921,7 +922,7 @@
       </p:grpSpPr>
       <p:sp>
         <p:nvSpPr>
-          <p:cNvPr id="121" name="Google Shape;121;g2a3c308f5df_0_100:notes"/>
+          <p:cNvPr id="123" name="Google Shape;123;g2a3c308f5df_0_6:notes"/>
           <p:cNvSpPr/>
           <p:nvPr>
             <p:ph idx="2" type="sldImg"/>
@@ -956,7 +957,7 @@
       </p:sp>
       <p:sp>
         <p:nvSpPr>
-          <p:cNvPr id="122" name="Google Shape;122;g2a3c308f5df_0_100:notes"/>
+          <p:cNvPr id="124" name="Google Shape;124;g2a3c308f5df_0_6:notes"/>
           <p:cNvSpPr txBox="1"/>
           <p:nvPr>
             <p:ph idx="1" type="body"/>
@@ -1006,7 +1007,7 @@
   <p:cSld>
     <p:spTree>
       <p:nvGrpSpPr>
-        <p:cNvPr id="127" name="Shape 127"/>
+        <p:cNvPr id="129" name="Shape 129"/>
         <p:cNvGrpSpPr/>
         <p:nvPr/>
       </p:nvGrpSpPr>
@@ -1020,7 +1021,7 @@
       </p:grpSpPr>
       <p:sp>
         <p:nvSpPr>
-          <p:cNvPr id="128" name="Google Shape;128;g2a3c308f5df_0_44:notes"/>
+          <p:cNvPr id="130" name="Google Shape;130;g2a3c308f5df_0_44:notes"/>
           <p:cNvSpPr/>
           <p:nvPr>
             <p:ph idx="2" type="sldImg"/>
@@ -1055,7 +1056,7 @@
       </p:sp>
       <p:sp>
         <p:nvSpPr>
-          <p:cNvPr id="129" name="Google Shape;129;g2a3c308f5df_0_44:notes"/>
+          <p:cNvPr id="131" name="Google Shape;131;g2a3c308f5df_0_44:notes"/>
           <p:cNvSpPr txBox="1"/>
           <p:nvPr>
             <p:ph idx="1" type="body"/>
@@ -1105,7 +1106,7 @@
   <p:cSld>
     <p:spTree>
       <p:nvGrpSpPr>
-        <p:cNvPr id="133" name="Shape 133"/>
+        <p:cNvPr id="136" name="Shape 136"/>
         <p:cNvGrpSpPr/>
         <p:nvPr/>
       </p:nvGrpSpPr>
@@ -1119,7 +1120,7 @@
       </p:grpSpPr>
       <p:sp>
         <p:nvSpPr>
-          <p:cNvPr id="134" name="Google Shape;134;g2a3c308f5df_0_49:notes"/>
+          <p:cNvPr id="137" name="Google Shape;137;g2a3c308f5df_0_49:notes"/>
           <p:cNvSpPr/>
           <p:nvPr>
             <p:ph idx="2" type="sldImg"/>
@@ -1154,7 +1155,7 @@
       </p:sp>
       <p:sp>
         <p:nvSpPr>
-          <p:cNvPr id="135" name="Google Shape;135;g2a3c308f5df_0_49:notes"/>
+          <p:cNvPr id="138" name="Google Shape;138;g2a3c308f5df_0_49:notes"/>
           <p:cNvSpPr txBox="1"/>
           <p:nvPr>
             <p:ph idx="1" type="body"/>
@@ -1204,7 +1205,7 @@
   <p:cSld>
     <p:spTree>
       <p:nvGrpSpPr>
-        <p:cNvPr id="141" name="Shape 141"/>
+        <p:cNvPr id="144" name="Shape 144"/>
         <p:cNvGrpSpPr/>
         <p:nvPr/>
       </p:nvGrpSpPr>
@@ -1218,7 +1219,7 @@
       </p:grpSpPr>
       <p:sp>
         <p:nvSpPr>
-          <p:cNvPr id="142" name="Google Shape;142;g2a3c308f5df_0_31:notes"/>
+          <p:cNvPr id="145" name="Google Shape;145;g2a3c308f5df_0_31:notes"/>
           <p:cNvSpPr/>
           <p:nvPr>
             <p:ph idx="2" type="sldImg"/>
@@ -1253,7 +1254,7 @@
       </p:sp>
       <p:sp>
         <p:nvSpPr>
-          <p:cNvPr id="143" name="Google Shape;143;g2a3c308f5df_0_31:notes"/>
+          <p:cNvPr id="146" name="Google Shape;146;g2a3c308f5df_0_31:notes"/>
           <p:cNvSpPr txBox="1"/>
           <p:nvPr>
             <p:ph idx="1" type="body"/>
@@ -1303,7 +1304,7 @@
   <p:cSld>
     <p:spTree>
       <p:nvGrpSpPr>
-        <p:cNvPr id="147" name="Shape 147"/>
+        <p:cNvPr id="150" name="Shape 150"/>
         <p:cNvGrpSpPr/>
         <p:nvPr/>
       </p:nvGrpSpPr>
@@ -1317,7 +1318,7 @@
       </p:grpSpPr>
       <p:sp>
         <p:nvSpPr>
-          <p:cNvPr id="148" name="Google Shape;148;g2a3c308f5df_0_56:notes"/>
+          <p:cNvPr id="151" name="Google Shape;151;g2a3c308f5df_0_56:notes"/>
           <p:cNvSpPr/>
           <p:nvPr>
             <p:ph idx="2" type="sldImg"/>
@@ -1352,7 +1353,7 @@
       </p:sp>
       <p:sp>
         <p:nvSpPr>
-          <p:cNvPr id="149" name="Google Shape;149;g2a3c308f5df_0_56:notes"/>
+          <p:cNvPr id="152" name="Google Shape;152;g2a3c308f5df_0_56:notes"/>
           <p:cNvSpPr txBox="1"/>
           <p:nvPr>
             <p:ph idx="1" type="body"/>
@@ -1402,7 +1403,7 @@
   <p:cSld>
     <p:spTree>
       <p:nvGrpSpPr>
-        <p:cNvPr id="155" name="Shape 155"/>
+        <p:cNvPr id="158" name="Shape 158"/>
         <p:cNvGrpSpPr/>
         <p:nvPr/>
       </p:nvGrpSpPr>
@@ -1416,7 +1417,7 @@
       </p:grpSpPr>
       <p:sp>
         <p:nvSpPr>
-          <p:cNvPr id="156" name="Google Shape;156;g2a5ea65e6be_0_13:notes"/>
+          <p:cNvPr id="159" name="Google Shape;159;g2a5ea65e6be_0_13:notes"/>
           <p:cNvSpPr/>
           <p:nvPr>
             <p:ph idx="2" type="sldImg"/>
@@ -1451,7 +1452,7 @@
       </p:sp>
       <p:sp>
         <p:nvSpPr>
-          <p:cNvPr id="157" name="Google Shape;157;g2a5ea65e6be_0_13:notes"/>
+          <p:cNvPr id="160" name="Google Shape;160;g2a5ea65e6be_0_13:notes"/>
           <p:cNvSpPr txBox="1"/>
           <p:nvPr>
             <p:ph idx="1" type="body"/>
@@ -1501,7 +1502,7 @@
   <p:cSld>
     <p:spTree>
       <p:nvGrpSpPr>
-        <p:cNvPr id="161" name="Shape 161"/>
+        <p:cNvPr id="165" name="Shape 165"/>
         <p:cNvGrpSpPr/>
         <p:nvPr/>
       </p:nvGrpSpPr>
@@ -1515,7 +1516,7 @@
       </p:grpSpPr>
       <p:sp>
         <p:nvSpPr>
-          <p:cNvPr id="162" name="Google Shape;162;g2a3c308f5df_0_38:notes"/>
+          <p:cNvPr id="166" name="Google Shape;166;g2a3c308f5df_0_38:notes"/>
           <p:cNvSpPr/>
           <p:nvPr>
             <p:ph idx="2" type="sldImg"/>
@@ -1550,7 +1551,7 @@
       </p:sp>
       <p:sp>
         <p:nvSpPr>
-          <p:cNvPr id="163" name="Google Shape;163;g2a3c308f5df_0_38:notes"/>
+          <p:cNvPr id="167" name="Google Shape;167;g2a3c308f5df_0_38:notes"/>
           <p:cNvSpPr txBox="1"/>
           <p:nvPr>
             <p:ph idx="1" type="body"/>
@@ -1600,7 +1601,7 @@
   <p:cSld>
     <p:spTree>
       <p:nvGrpSpPr>
-        <p:cNvPr id="167" name="Shape 167"/>
+        <p:cNvPr id="171" name="Shape 171"/>
         <p:cNvGrpSpPr/>
         <p:nvPr/>
       </p:nvGrpSpPr>
@@ -1614,7 +1615,7 @@
       </p:grpSpPr>
       <p:sp>
         <p:nvSpPr>
-          <p:cNvPr id="168" name="Google Shape;168;g2a3c308f5df_0_77:notes"/>
+          <p:cNvPr id="172" name="Google Shape;172;g2a644d85440_0_25:notes"/>
           <p:cNvSpPr/>
           <p:nvPr>
             <p:ph idx="2" type="sldImg"/>
@@ -1649,7 +1650,7 @@
       </p:sp>
       <p:sp>
         <p:nvSpPr>
-          <p:cNvPr id="169" name="Google Shape;169;g2a3c308f5df_0_77:notes"/>
+          <p:cNvPr id="173" name="Google Shape;173;g2a644d85440_0_25:notes"/>
           <p:cNvSpPr txBox="1"/>
           <p:nvPr>
             <p:ph idx="1" type="body"/>
@@ -1699,7 +1700,7 @@
   <p:cSld>
     <p:spTree>
       <p:nvGrpSpPr>
-        <p:cNvPr id="173" name="Shape 173"/>
+        <p:cNvPr id="180" name="Shape 180"/>
         <p:cNvGrpSpPr/>
         <p:nvPr/>
       </p:nvGrpSpPr>
@@ -1713,7 +1714,7 @@
       </p:grpSpPr>
       <p:sp>
         <p:nvSpPr>
-          <p:cNvPr id="174" name="Google Shape;174;g2a3c308f5df_0_106:notes"/>
+          <p:cNvPr id="181" name="Google Shape;181;g2a644d85440_0_17:notes"/>
           <p:cNvSpPr/>
           <p:nvPr>
             <p:ph idx="2" type="sldImg"/>
@@ -1748,7 +1749,7 @@
       </p:sp>
       <p:sp>
         <p:nvSpPr>
-          <p:cNvPr id="175" name="Google Shape;175;g2a3c308f5df_0_106:notes"/>
+          <p:cNvPr id="182" name="Google Shape;182;g2a644d85440_0_17:notes"/>
           <p:cNvSpPr txBox="1"/>
           <p:nvPr>
             <p:ph idx="1" type="body"/>
@@ -1892,6 +1893,105 @@
 </p:notes>
 </file>
 
+<file path=ppt/notesSlides/notesSlide20.xml><?xml version="1.0" encoding="utf-8"?>
+<p:notes xmlns:a="http://schemas.openxmlformats.org/drawingml/2006/main" xmlns:r="http://schemas.openxmlformats.org/officeDocument/2006/relationships" xmlns:mc="http://schemas.openxmlformats.org/markup-compatibility/2006" xmlns:mv="urn:schemas-microsoft-com:mac:vml" xmlns:p="http://schemas.openxmlformats.org/presentationml/2006/main" xmlns:c="http://schemas.openxmlformats.org/drawingml/2006/chart" xmlns:dgm="http://schemas.openxmlformats.org/drawingml/2006/diagram" xmlns:o="urn:schemas-microsoft-com:office:office" xmlns:v="urn:schemas-microsoft-com:vml" xmlns:pvml="urn:schemas-microsoft-com:office:powerpoint" xmlns:com="http://schemas.openxmlformats.org/drawingml/2006/compatibility" xmlns:p14="http://schemas.microsoft.com/office/powerpoint/2010/main" xmlns:p15="http://schemas.microsoft.com/office/powerpoint/2012/main" xmlns:ahyp="http://schemas.microsoft.com/office/drawing/2018/hyperlinkcolor" showMasterPhAnim="0" showMasterSp="0">
+  <p:cSld>
+    <p:spTree>
+      <p:nvGrpSpPr>
+        <p:cNvPr id="189" name="Shape 189"/>
+        <p:cNvGrpSpPr/>
+        <p:nvPr/>
+      </p:nvGrpSpPr>
+      <p:grpSpPr>
+        <a:xfrm>
+          <a:off x="0" y="0"/>
+          <a:ext cx="0" cy="0"/>
+          <a:chOff x="0" y="0"/>
+          <a:chExt cx="0" cy="0"/>
+        </a:xfrm>
+      </p:grpSpPr>
+      <p:sp>
+        <p:nvSpPr>
+          <p:cNvPr id="190" name="Google Shape;190;g2a3c308f5df_0_106:notes"/>
+          <p:cNvSpPr/>
+          <p:nvPr>
+            <p:ph idx="2" type="sldImg"/>
+          </p:nvPr>
+        </p:nvSpPr>
+        <p:spPr>
+          <a:xfrm>
+            <a:off x="381300" y="685800"/>
+            <a:ext cx="6096000" cy="3429000"/>
+          </a:xfrm>
+          <a:custGeom>
+            <a:rect b="b" l="l" r="r" t="t"/>
+            <a:pathLst>
+              <a:path extrusionOk="0" h="120000" w="120000">
+                <a:moveTo>
+                  <a:pt x="0" y="0"/>
+                </a:moveTo>
+                <a:lnTo>
+                  <a:pt x="120000" y="0"/>
+                </a:lnTo>
+                <a:lnTo>
+                  <a:pt x="120000" y="120000"/>
+                </a:lnTo>
+                <a:lnTo>
+                  <a:pt x="0" y="120000"/>
+                </a:lnTo>
+                <a:close/>
+              </a:path>
+            </a:pathLst>
+          </a:custGeom>
+        </p:spPr>
+      </p:sp>
+      <p:sp>
+        <p:nvSpPr>
+          <p:cNvPr id="191" name="Google Shape;191;g2a3c308f5df_0_106:notes"/>
+          <p:cNvSpPr txBox="1"/>
+          <p:nvPr>
+            <p:ph idx="1" type="body"/>
+          </p:nvPr>
+        </p:nvSpPr>
+        <p:spPr>
+          <a:xfrm>
+            <a:off x="685800" y="4343400"/>
+            <a:ext cx="5486400" cy="4114800"/>
+          </a:xfrm>
+          <a:prstGeom prst="rect">
+            <a:avLst/>
+          </a:prstGeom>
+        </p:spPr>
+        <p:txBody>
+          <a:bodyPr anchorCtr="0" anchor="t" bIns="91425" lIns="91425" spcFirstLastPara="1" rIns="91425" wrap="square" tIns="91425">
+            <a:noAutofit/>
+          </a:bodyPr>
+          <a:lstStyle/>
+          <a:p>
+            <a:pPr indent="0" lvl="0" marL="0" rtl="0" algn="l">
+              <a:spcBef>
+                <a:spcPts val="0"/>
+              </a:spcBef>
+              <a:spcAft>
+                <a:spcPts val="0"/>
+              </a:spcAft>
+              <a:buNone/>
+            </a:pPr>
+            <a:r>
+              <a:t/>
+            </a:r>
+            <a:endParaRPr/>
+          </a:p>
+        </p:txBody>
+      </p:sp>
+    </p:spTree>
+  </p:cSld>
+  <p:clrMapOvr>
+    <a:masterClrMapping/>
+  </p:clrMapOvr>
+</p:notes>
+</file>
+
 <file path=ppt/notesSlides/notesSlide3.xml><?xml version="1.0" encoding="utf-8"?>
 <p:notes xmlns:a="http://schemas.openxmlformats.org/drawingml/2006/main" xmlns:r="http://schemas.openxmlformats.org/officeDocument/2006/relationships" xmlns:mc="http://schemas.openxmlformats.org/markup-compatibility/2006" xmlns:mv="urn:schemas-microsoft-com:mac:vml" xmlns:p="http://schemas.openxmlformats.org/presentationml/2006/main" xmlns:c="http://schemas.openxmlformats.org/drawingml/2006/chart" xmlns:dgm="http://schemas.openxmlformats.org/drawingml/2006/diagram" xmlns:o="urn:schemas-microsoft-com:office:office" xmlns:v="urn:schemas-microsoft-com:vml" xmlns:pvml="urn:schemas-microsoft-com:office:powerpoint" xmlns:com="http://schemas.openxmlformats.org/drawingml/2006/compatibility" xmlns:p14="http://schemas.microsoft.com/office/powerpoint/2010/main" xmlns:p15="http://schemas.microsoft.com/office/powerpoint/2012/main" xmlns:ahyp="http://schemas.microsoft.com/office/drawing/2018/hyperlinkcolor" showMasterPhAnim="0" showMasterSp="0">
   <p:cSld>
@@ -2194,7 +2294,7 @@
   <p:cSld>
     <p:spTree>
       <p:nvGrpSpPr>
-        <p:cNvPr id="83" name="Shape 83"/>
+        <p:cNvPr id="85" name="Shape 85"/>
         <p:cNvGrpSpPr/>
         <p:nvPr/>
       </p:nvGrpSpPr>
@@ -2208,7 +2308,7 @@
       </p:grpSpPr>
       <p:sp>
         <p:nvSpPr>
-          <p:cNvPr id="84" name="Google Shape;84;g2a3c308f5df_0_26:notes"/>
+          <p:cNvPr id="86" name="Google Shape;86;g2a3c308f5df_0_26:notes"/>
           <p:cNvSpPr/>
           <p:nvPr>
             <p:ph idx="2" type="sldImg"/>
@@ -2243,7 +2343,7 @@
       </p:sp>
       <p:sp>
         <p:nvSpPr>
-          <p:cNvPr id="85" name="Google Shape;85;g2a3c308f5df_0_26:notes"/>
+          <p:cNvPr id="87" name="Google Shape;87;g2a3c308f5df_0_26:notes"/>
           <p:cNvSpPr txBox="1"/>
           <p:nvPr>
             <p:ph idx="1" type="body"/>
@@ -2293,7 +2393,7 @@
   <p:cSld>
     <p:spTree>
       <p:nvGrpSpPr>
-        <p:cNvPr id="90" name="Shape 90"/>
+        <p:cNvPr id="92" name="Shape 92"/>
         <p:cNvGrpSpPr/>
         <p:nvPr/>
       </p:nvGrpSpPr>
@@ -2307,7 +2407,7 @@
       </p:grpSpPr>
       <p:sp>
         <p:nvSpPr>
-          <p:cNvPr id="91" name="Google Shape;91;g2a3c308f5df_0_19:notes"/>
+          <p:cNvPr id="93" name="Google Shape;93;g2a3c308f5df_0_100:notes"/>
           <p:cNvSpPr/>
           <p:nvPr>
             <p:ph idx="2" type="sldImg"/>
@@ -2342,7 +2442,7 @@
       </p:sp>
       <p:sp>
         <p:nvSpPr>
-          <p:cNvPr id="92" name="Google Shape;92;g2a3c308f5df_0_19:notes"/>
+          <p:cNvPr id="94" name="Google Shape;94;g2a3c308f5df_0_100:notes"/>
           <p:cNvSpPr txBox="1"/>
           <p:nvPr>
             <p:ph idx="1" type="body"/>
@@ -2392,7 +2492,7 @@
   <p:cSld>
     <p:spTree>
       <p:nvGrpSpPr>
-        <p:cNvPr id="98" name="Shape 98"/>
+        <p:cNvPr id="99" name="Shape 99"/>
         <p:cNvGrpSpPr/>
         <p:nvPr/>
       </p:nvGrpSpPr>
@@ -2406,7 +2506,7 @@
       </p:grpSpPr>
       <p:sp>
         <p:nvSpPr>
-          <p:cNvPr id="99" name="Google Shape;99;g2a3c308f5df_0_12:notes"/>
+          <p:cNvPr id="100" name="Google Shape;100;g2a3c308f5df_0_19:notes"/>
           <p:cNvSpPr/>
           <p:nvPr>
             <p:ph idx="2" type="sldImg"/>
@@ -2441,7 +2541,7 @@
       </p:sp>
       <p:sp>
         <p:nvSpPr>
-          <p:cNvPr id="100" name="Google Shape;100;g2a3c308f5df_0_12:notes"/>
+          <p:cNvPr id="101" name="Google Shape;101;g2a3c308f5df_0_19:notes"/>
           <p:cNvSpPr txBox="1"/>
           <p:nvPr>
             <p:ph idx="1" type="body"/>
@@ -2491,7 +2591,7 @@
   <p:cSld>
     <p:spTree>
       <p:nvGrpSpPr>
-        <p:cNvPr id="106" name="Shape 106"/>
+        <p:cNvPr id="107" name="Shape 107"/>
         <p:cNvGrpSpPr/>
         <p:nvPr/>
       </p:nvGrpSpPr>
@@ -2505,7 +2605,7 @@
       </p:grpSpPr>
       <p:sp>
         <p:nvSpPr>
-          <p:cNvPr id="107" name="Google Shape;107;g2a3c308f5df_0_0:notes"/>
+          <p:cNvPr id="108" name="Google Shape;108;g2a3c308f5df_0_12:notes"/>
           <p:cNvSpPr/>
           <p:nvPr>
             <p:ph idx="2" type="sldImg"/>
@@ -2540,7 +2640,7 @@
       </p:sp>
       <p:sp>
         <p:nvSpPr>
-          <p:cNvPr id="108" name="Google Shape;108;g2a3c308f5df_0_0:notes"/>
+          <p:cNvPr id="109" name="Google Shape;109;g2a3c308f5df_0_12:notes"/>
           <p:cNvSpPr txBox="1"/>
           <p:nvPr>
             <p:ph idx="1" type="body"/>
@@ -7344,7 +7444,7 @@
   <p:cSld>
     <p:spTree>
       <p:nvGrpSpPr>
-        <p:cNvPr id="116" name="Shape 116"/>
+        <p:cNvPr id="118" name="Shape 118"/>
         <p:cNvGrpSpPr/>
         <p:nvPr/>
       </p:nvGrpSpPr>
@@ -7358,7 +7458,7 @@
       </p:grpSpPr>
       <p:sp>
         <p:nvSpPr>
-          <p:cNvPr id="117" name="Google Shape;117;p22"/>
+          <p:cNvPr id="119" name="Google Shape;119;p22"/>
           <p:cNvSpPr txBox="1"/>
           <p:nvPr>
             <p:ph type="title"/>
@@ -7390,11 +7490,7 @@
             </a:pPr>
             <a:r>
               <a:rPr lang="en"/>
-              <a:t>Partial </a:t>
-            </a:r>
-            <a:r>
-              <a:rPr lang="en"/>
-              <a:t>Autocorrelation Function Plot (PACF)</a:t>
+              <a:t>Autocorrelation Function Plot (ACF)</a:t>
             </a:r>
             <a:endParaRPr/>
           </a:p>
@@ -7402,7 +7498,7 @@
       </p:sp>
       <p:sp>
         <p:nvSpPr>
-          <p:cNvPr id="118" name="Google Shape;118;p22"/>
+          <p:cNvPr id="120" name="Google Shape;120;p22"/>
           <p:cNvSpPr txBox="1"/>
           <p:nvPr>
             <p:ph idx="1" type="body"/>
@@ -7419,7 +7515,7 @@
         </p:spPr>
         <p:txBody>
           <a:bodyPr anchorCtr="0" anchor="t" bIns="91425" lIns="91425" spcFirstLastPara="1" rIns="91425" wrap="square" tIns="91425">
-            <a:normAutofit lnSpcReduction="20000"/>
+            <a:normAutofit/>
           </a:bodyPr>
           <a:lstStyle/>
           <a:p>
@@ -7434,7 +7530,15 @@
             </a:pPr>
             <a:r>
               <a:rPr lang="en"/>
-              <a:t>An PACF plot is a bar chart of the partial correlation coefficient between a time series and its lagged values, controlling for the impact of all shorter lag values</a:t>
+              <a:t>An ACF plot is a bar chart of the coefficients of correlation </a:t>
+            </a:r>
+            <a:r>
+              <a:rPr lang="en"/>
+              <a:t>coefficient</a:t>
+            </a:r>
+            <a:r>
+              <a:rPr lang="en"/>
+              <a:t> between a time series and its lagged values</a:t>
             </a:r>
             <a:endParaRPr/>
           </a:p>
@@ -7450,7 +7554,23 @@
             </a:pPr>
             <a:r>
               <a:rPr lang="en"/>
-              <a:t>A value of 0.75 when lag is 10 means the correlation coefficient between the series and its value 10 periods prior is 75%, after controlling for the impact of the dependent variable at lags of 1 through 9</a:t>
+              <a:t>A value of 0.75 when lag is 10 means the correlation </a:t>
+            </a:r>
+            <a:r>
+              <a:rPr lang="en"/>
+              <a:t>coefficient</a:t>
+            </a:r>
+            <a:r>
+              <a:rPr lang="en"/>
+              <a:t> between the </a:t>
+            </a:r>
+            <a:r>
+              <a:rPr lang="en"/>
+              <a:t>series</a:t>
+            </a:r>
+            <a:r>
+              <a:rPr lang="en"/>
+              <a:t> and its value 10 periods prior is 75%</a:t>
             </a:r>
             <a:endParaRPr/>
           </a:p>
@@ -7473,7 +7593,7 @@
       </p:sp>
       <p:pic>
         <p:nvPicPr>
-          <p:cNvPr id="119" name="Google Shape;119;p22"/>
+          <p:cNvPr id="121" name="Google Shape;121;p22"/>
           <p:cNvPicPr preferRelativeResize="0"/>
           <p:nvPr/>
         </p:nvPicPr>
@@ -7488,7 +7608,7 @@
         <p:spPr>
           <a:xfrm>
             <a:off x="4724400" y="1170125"/>
-            <a:ext cx="4267199" cy="3207194"/>
+            <a:ext cx="4267199" cy="3255174"/>
           </a:xfrm>
           <a:prstGeom prst="rect">
             <a:avLst/>
@@ -7512,7 +7632,7 @@
   <p:cSld>
     <p:spTree>
       <p:nvGrpSpPr>
-        <p:cNvPr id="123" name="Shape 123"/>
+        <p:cNvPr id="125" name="Shape 125"/>
         <p:cNvGrpSpPr/>
         <p:nvPr/>
       </p:nvGrpSpPr>
@@ -7526,7 +7646,7 @@
       </p:grpSpPr>
       <p:sp>
         <p:nvSpPr>
-          <p:cNvPr id="124" name="Google Shape;124;p23"/>
+          <p:cNvPr id="126" name="Google Shape;126;p23"/>
           <p:cNvSpPr txBox="1"/>
           <p:nvPr>
             <p:ph type="title"/>
@@ -7558,7 +7678,11 @@
             </a:pPr>
             <a:r>
               <a:rPr lang="en"/>
-              <a:t>Time Series Residual Patterns</a:t>
+              <a:t>Partial </a:t>
+            </a:r>
+            <a:r>
+              <a:rPr lang="en"/>
+              <a:t>Autocorrelation Function Plot (PACF)</a:t>
             </a:r>
             <a:endParaRPr/>
           </a:p>
@@ -7566,7 +7690,7 @@
       </p:sp>
       <p:sp>
         <p:nvSpPr>
-          <p:cNvPr id="125" name="Google Shape;125;p23"/>
+          <p:cNvPr id="127" name="Google Shape;127;p23"/>
           <p:cNvSpPr txBox="1"/>
           <p:nvPr>
             <p:ph idx="1" type="body"/>
@@ -7575,7 +7699,7 @@
         <p:spPr>
           <a:xfrm>
             <a:off x="311700" y="1152475"/>
-            <a:ext cx="8520600" cy="3416400"/>
+            <a:ext cx="4260300" cy="3416400"/>
           </a:xfrm>
           <a:prstGeom prst="rect">
             <a:avLst/>
@@ -7583,7 +7707,7 @@
         </p:spPr>
         <p:txBody>
           <a:bodyPr anchorCtr="0" anchor="t" bIns="91425" lIns="91425" spcFirstLastPara="1" rIns="91425" wrap="square" tIns="91425">
-            <a:normAutofit/>
+            <a:normAutofit lnSpcReduction="20000"/>
           </a:bodyPr>
           <a:lstStyle/>
           <a:p>
@@ -7592,13 +7716,44 @@
                 <a:spcPts val="0"/>
               </a:spcBef>
               <a:spcAft>
+                <a:spcPts val="0"/>
+              </a:spcAft>
+              <a:buNone/>
+            </a:pPr>
+            <a:r>
+              <a:rPr lang="en"/>
+              <a:t>An PACF plot is a bar chart of the partial correlation coefficient between a time series and its lagged values, controlling for the impact of all shorter lag values</a:t>
+            </a:r>
+            <a:endParaRPr/>
+          </a:p>
+          <a:p>
+            <a:pPr indent="0" lvl="0" marL="0" rtl="0" algn="l">
+              <a:spcBef>
                 <a:spcPts val="1200"/>
+              </a:spcBef>
+              <a:spcAft>
+                <a:spcPts val="0"/>
               </a:spcAft>
               <a:buNone/>
             </a:pPr>
             <a:r>
               <a:rPr lang="en"/>
-              <a:t>Plot errors vs time</a:t>
+              <a:t>A value of 0.75 when lag is 10 means the correlation coefficient between the series and its value 10 periods prior is 75%, after controlling for the impact of the dependent variable at lags of 1 through 9</a:t>
+            </a:r>
+            <a:endParaRPr/>
+          </a:p>
+          <a:p>
+            <a:pPr indent="0" lvl="0" marL="0" rtl="0" algn="l">
+              <a:spcBef>
+                <a:spcPts val="1200"/>
+              </a:spcBef>
+              <a:spcAft>
+                <a:spcPts val="1200"/>
+              </a:spcAft>
+              <a:buNone/>
+            </a:pPr>
+            <a:r>
+              <a:t/>
             </a:r>
             <a:endParaRPr/>
           </a:p>
@@ -7606,7 +7761,7 @@
       </p:sp>
       <p:pic>
         <p:nvPicPr>
-          <p:cNvPr id="126" name="Google Shape;126;p23"/>
+          <p:cNvPr id="128" name="Google Shape;128;p23"/>
           <p:cNvPicPr preferRelativeResize="0"/>
           <p:nvPr/>
         </p:nvPicPr>
@@ -7620,8 +7775,8 @@
         </p:blipFill>
         <p:spPr>
           <a:xfrm>
-            <a:off x="3374325" y="1357238"/>
-            <a:ext cx="5457974" cy="3006874"/>
+            <a:off x="4724400" y="1170125"/>
+            <a:ext cx="4267199" cy="3207194"/>
           </a:xfrm>
           <a:prstGeom prst="rect">
             <a:avLst/>
@@ -7645,7 +7800,7 @@
   <p:cSld>
     <p:spTree>
       <p:nvGrpSpPr>
-        <p:cNvPr id="130" name="Shape 130"/>
+        <p:cNvPr id="132" name="Shape 132"/>
         <p:cNvGrpSpPr/>
         <p:nvPr/>
       </p:nvGrpSpPr>
@@ -7659,7 +7814,7 @@
       </p:grpSpPr>
       <p:sp>
         <p:nvSpPr>
-          <p:cNvPr id="131" name="Google Shape;131;p24"/>
+          <p:cNvPr id="133" name="Google Shape;133;p24"/>
           <p:cNvSpPr txBox="1"/>
           <p:nvPr>
             <p:ph type="title"/>
@@ -7699,7 +7854,7 @@
       </p:sp>
       <p:sp>
         <p:nvSpPr>
-          <p:cNvPr id="132" name="Google Shape;132;p24"/>
+          <p:cNvPr id="134" name="Google Shape;134;p24"/>
           <p:cNvSpPr txBox="1"/>
           <p:nvPr>
             <p:ph idx="1" type="body"/>
@@ -7849,6 +8004,34 @@
           </a:p>
         </p:txBody>
       </p:sp>
+      <p:pic>
+        <p:nvPicPr>
+          <p:cNvPr id="135" name="Google Shape;135;p24"/>
+          <p:cNvPicPr preferRelativeResize="0"/>
+          <p:nvPr/>
+        </p:nvPicPr>
+        <p:blipFill>
+          <a:blip r:embed="rId3">
+            <a:alphaModFix/>
+          </a:blip>
+          <a:stretch>
+            <a:fillRect/>
+          </a:stretch>
+        </p:blipFill>
+        <p:spPr>
+          <a:xfrm>
+            <a:off x="4188529" y="2088575"/>
+            <a:ext cx="4544674" cy="2808726"/>
+          </a:xfrm>
+          <a:prstGeom prst="rect">
+            <a:avLst/>
+          </a:prstGeom>
+          <a:noFill/>
+          <a:ln>
+            <a:noFill/>
+          </a:ln>
+        </p:spPr>
+      </p:pic>
     </p:spTree>
   </p:cSld>
   <p:clrMapOvr>
@@ -7862,7 +8045,7 @@
   <p:cSld>
     <p:spTree>
       <p:nvGrpSpPr>
-        <p:cNvPr id="136" name="Shape 136"/>
+        <p:cNvPr id="139" name="Shape 139"/>
         <p:cNvGrpSpPr/>
         <p:nvPr/>
       </p:nvGrpSpPr>
@@ -7876,7 +8059,7 @@
       </p:grpSpPr>
       <p:sp>
         <p:nvSpPr>
-          <p:cNvPr id="137" name="Google Shape;137;p25"/>
+          <p:cNvPr id="140" name="Google Shape;140;p25"/>
           <p:cNvSpPr txBox="1"/>
           <p:nvPr>
             <p:ph type="title"/>
@@ -7916,7 +8099,7 @@
       </p:sp>
       <p:sp>
         <p:nvSpPr>
-          <p:cNvPr id="138" name="Google Shape;138;p25"/>
+          <p:cNvPr id="141" name="Google Shape;141;p25"/>
           <p:cNvSpPr txBox="1"/>
           <p:nvPr>
             <p:ph idx="1" type="body"/>
@@ -7988,7 +8171,7 @@
       </p:sp>
       <p:pic>
         <p:nvPicPr>
-          <p:cNvPr id="139" name="Google Shape;139;p25"/>
+          <p:cNvPr id="142" name="Google Shape;142;p25"/>
           <p:cNvPicPr preferRelativeResize="0"/>
           <p:nvPr/>
         </p:nvPicPr>
@@ -8016,7 +8199,7 @@
       </p:pic>
       <p:pic>
         <p:nvPicPr>
-          <p:cNvPr id="140" name="Google Shape;140;p25"/>
+          <p:cNvPr id="143" name="Google Shape;143;p25"/>
           <p:cNvPicPr preferRelativeResize="0"/>
           <p:nvPr/>
         </p:nvPicPr>
@@ -8055,7 +8238,7 @@
   <p:cSld>
     <p:spTree>
       <p:nvGrpSpPr>
-        <p:cNvPr id="144" name="Shape 144"/>
+        <p:cNvPr id="147" name="Shape 147"/>
         <p:cNvGrpSpPr/>
         <p:nvPr/>
       </p:nvGrpSpPr>
@@ -8069,7 +8252,7 @@
       </p:grpSpPr>
       <p:sp>
         <p:nvSpPr>
-          <p:cNvPr id="145" name="Google Shape;145;p26"/>
+          <p:cNvPr id="148" name="Google Shape;148;p26"/>
           <p:cNvSpPr txBox="1"/>
           <p:nvPr>
             <p:ph type="title"/>
@@ -8109,7 +8292,7 @@
       </p:sp>
       <p:sp>
         <p:nvSpPr>
-          <p:cNvPr id="146" name="Google Shape;146;p26"/>
+          <p:cNvPr id="149" name="Google Shape;149;p26"/>
           <p:cNvSpPr txBox="1"/>
           <p:nvPr>
             <p:ph idx="1" type="body"/>
@@ -8280,7 +8463,7 @@
   <p:cSld>
     <p:spTree>
       <p:nvGrpSpPr>
-        <p:cNvPr id="150" name="Shape 150"/>
+        <p:cNvPr id="153" name="Shape 153"/>
         <p:cNvGrpSpPr/>
         <p:nvPr/>
       </p:nvGrpSpPr>
@@ -8294,7 +8477,7 @@
       </p:grpSpPr>
       <p:sp>
         <p:nvSpPr>
-          <p:cNvPr id="151" name="Google Shape;151;p27"/>
+          <p:cNvPr id="154" name="Google Shape;154;p27"/>
           <p:cNvSpPr txBox="1"/>
           <p:nvPr>
             <p:ph type="title"/>
@@ -8334,7 +8517,7 @@
       </p:sp>
       <p:sp>
         <p:nvSpPr>
-          <p:cNvPr id="152" name="Google Shape;152;p27"/>
+          <p:cNvPr id="155" name="Google Shape;155;p27"/>
           <p:cNvSpPr txBox="1"/>
           <p:nvPr>
             <p:ph idx="1" type="body"/>
@@ -8436,7 +8619,7 @@
       </p:sp>
       <p:pic>
         <p:nvPicPr>
-          <p:cNvPr id="153" name="Google Shape;153;p27"/>
+          <p:cNvPr id="156" name="Google Shape;156;p27"/>
           <p:cNvPicPr preferRelativeResize="0"/>
           <p:nvPr/>
         </p:nvPicPr>
@@ -8464,7 +8647,7 @@
       </p:pic>
       <p:pic>
         <p:nvPicPr>
-          <p:cNvPr id="154" name="Google Shape;154;p27"/>
+          <p:cNvPr id="157" name="Google Shape;157;p27"/>
           <p:cNvPicPr preferRelativeResize="0"/>
           <p:nvPr/>
         </p:nvPicPr>
@@ -8503,7 +8686,7 @@
   <p:cSld>
     <p:spTree>
       <p:nvGrpSpPr>
-        <p:cNvPr id="158" name="Shape 158"/>
+        <p:cNvPr id="161" name="Shape 161"/>
         <p:cNvGrpSpPr/>
         <p:nvPr/>
       </p:nvGrpSpPr>
@@ -8517,7 +8700,7 @@
       </p:grpSpPr>
       <p:sp>
         <p:nvSpPr>
-          <p:cNvPr id="159" name="Google Shape;159;p28"/>
+          <p:cNvPr id="162" name="Google Shape;162;p28"/>
           <p:cNvSpPr txBox="1"/>
           <p:nvPr>
             <p:ph type="title"/>
@@ -8557,7 +8740,7 @@
       </p:sp>
       <p:sp>
         <p:nvSpPr>
-          <p:cNvPr id="160" name="Google Shape;160;p28"/>
+          <p:cNvPr id="163" name="Google Shape;163;p28"/>
           <p:cNvSpPr txBox="1"/>
           <p:nvPr>
             <p:ph idx="1" type="body"/>
@@ -8589,7 +8772,7 @@
             </a:pPr>
             <a:r>
               <a:rPr lang="en"/>
-              <a:t>Plug values into </a:t>
+              <a:t>Plug (rolling) values into </a:t>
             </a:r>
             <a:r>
               <a:rPr lang="en"/>
@@ -8603,6 +8786,34 @@
           </a:p>
         </p:txBody>
       </p:sp>
+      <p:pic>
+        <p:nvPicPr>
+          <p:cNvPr id="164" name="Google Shape;164;p28"/>
+          <p:cNvPicPr preferRelativeResize="0"/>
+          <p:nvPr/>
+        </p:nvPicPr>
+        <p:blipFill>
+          <a:blip r:embed="rId3">
+            <a:alphaModFix/>
+          </a:blip>
+          <a:stretch>
+            <a:fillRect/>
+          </a:stretch>
+        </p:blipFill>
+        <p:spPr>
+          <a:xfrm>
+            <a:off x="1792778" y="1600450"/>
+            <a:ext cx="5558435" cy="3416400"/>
+          </a:xfrm>
+          <a:prstGeom prst="rect">
+            <a:avLst/>
+          </a:prstGeom>
+          <a:noFill/>
+          <a:ln>
+            <a:noFill/>
+          </a:ln>
+        </p:spPr>
+      </p:pic>
     </p:spTree>
   </p:cSld>
   <p:clrMapOvr>
@@ -8616,7 +8827,7 @@
   <p:cSld>
     <p:spTree>
       <p:nvGrpSpPr>
-        <p:cNvPr id="164" name="Shape 164"/>
+        <p:cNvPr id="168" name="Shape 168"/>
         <p:cNvGrpSpPr/>
         <p:nvPr/>
       </p:nvGrpSpPr>
@@ -8630,7 +8841,7 @@
       </p:grpSpPr>
       <p:sp>
         <p:nvSpPr>
-          <p:cNvPr id="165" name="Google Shape;165;p29"/>
+          <p:cNvPr id="169" name="Google Shape;169;p29"/>
           <p:cNvSpPr txBox="1"/>
           <p:nvPr>
             <p:ph type="title"/>
@@ -8662,7 +8873,7 @@
             </a:pPr>
             <a:r>
               <a:rPr lang="en"/>
-              <a:t>ARMA and ARIMA</a:t>
+              <a:t>ARMA, ARIMA, and ARIMAX</a:t>
             </a:r>
             <a:endParaRPr/>
           </a:p>
@@ -8670,7 +8881,7 @@
       </p:sp>
       <p:sp>
         <p:nvSpPr>
-          <p:cNvPr id="166" name="Google Shape;166;p29"/>
+          <p:cNvPr id="170" name="Google Shape;170;p29"/>
           <p:cNvSpPr txBox="1"/>
           <p:nvPr>
             <p:ph idx="1" type="body"/>
@@ -8755,6 +8966,50 @@
             <a:r>
               <a:rPr lang="en"/>
               <a:t> = autoregressive term, d = differencing term, q = moving average term</a:t>
+            </a:r>
+            <a:endParaRPr/>
+          </a:p>
+          <a:p>
+            <a:pPr indent="0" lvl="0" marL="0" rtl="0" algn="l">
+              <a:spcBef>
+                <a:spcPts val="1200"/>
+              </a:spcBef>
+              <a:spcAft>
+                <a:spcPts val="0"/>
+              </a:spcAft>
+              <a:buClr>
+                <a:schemeClr val="dk1"/>
+              </a:buClr>
+              <a:buSzPts val="1100"/>
+              <a:buFont typeface="Arial"/>
+              <a:buNone/>
+            </a:pPr>
+            <a:r>
+              <a:rPr lang="en"/>
+              <a:t>ARIMAX = ARIMA + E</a:t>
+            </a:r>
+            <a:r>
+              <a:rPr b="1" lang="en"/>
+              <a:t>x</a:t>
+            </a:r>
+            <a:r>
+              <a:rPr lang="en"/>
+              <a:t>ogenous Variables </a:t>
+            </a:r>
+            <a:endParaRPr/>
+          </a:p>
+          <a:p>
+            <a:pPr indent="0" lvl="0" marL="0" rtl="0" algn="l">
+              <a:spcBef>
+                <a:spcPts val="1200"/>
+              </a:spcBef>
+              <a:spcAft>
+                <a:spcPts val="0"/>
+              </a:spcAft>
+              <a:buNone/>
+            </a:pPr>
+            <a:r>
+              <a:t/>
             </a:r>
             <a:endParaRPr/>
           </a:p>
@@ -8789,7 +9044,7 @@
   <p:cSld>
     <p:spTree>
       <p:nvGrpSpPr>
-        <p:cNvPr id="170" name="Shape 170"/>
+        <p:cNvPr id="174" name="Shape 174"/>
         <p:cNvGrpSpPr/>
         <p:nvPr/>
       </p:nvGrpSpPr>
@@ -8803,7 +9058,7 @@
       </p:grpSpPr>
       <p:sp>
         <p:nvSpPr>
-          <p:cNvPr id="171" name="Google Shape;171;p30"/>
+          <p:cNvPr id="175" name="Google Shape;175;p30"/>
           <p:cNvSpPr txBox="1"/>
           <p:nvPr>
             <p:ph type="title"/>
@@ -8835,7 +9090,7 @@
             </a:pPr>
             <a:r>
               <a:rPr lang="en"/>
-              <a:t>ARIMAX</a:t>
+              <a:t>Model Comparison</a:t>
             </a:r>
             <a:endParaRPr/>
           </a:p>
@@ -8843,7 +9098,7 @@
       </p:sp>
       <p:sp>
         <p:nvSpPr>
-          <p:cNvPr id="172" name="Google Shape;172;p30"/>
+          <p:cNvPr id="176" name="Google Shape;176;p30"/>
           <p:cNvSpPr txBox="1"/>
           <p:nvPr>
             <p:ph idx="1" type="body"/>
@@ -8852,7 +9107,7 @@
         <p:spPr>
           <a:xfrm>
             <a:off x="311700" y="1152475"/>
-            <a:ext cx="8520600" cy="3416400"/>
+            <a:ext cx="3999900" cy="3416400"/>
           </a:xfrm>
           <a:prstGeom prst="rect">
             <a:avLst/>
@@ -8874,18 +9129,10 @@
               <a:buNone/>
             </a:pPr>
             <a:r>
-              <a:rPr lang="en"/>
-              <a:t>ARIMAX = ARIMA + E</a:t>
-            </a:r>
-            <a:r>
               <a:rPr b="1" lang="en"/>
-              <a:t>x</a:t>
-            </a:r>
-            <a:r>
-              <a:rPr lang="en"/>
-              <a:t>ogenous Variables </a:t>
-            </a:r>
-            <a:endParaRPr/>
+              <a:t>Sum of Squared Errors</a:t>
+            </a:r>
+            <a:endParaRPr b="1"/>
           </a:p>
           <a:p>
             <a:pPr indent="0" lvl="0" marL="0" rtl="0" algn="l">
@@ -8904,6 +9151,100 @@
           </a:p>
         </p:txBody>
       </p:sp>
+      <p:sp>
+        <p:nvSpPr>
+          <p:cNvPr id="177" name="Google Shape;177;p30"/>
+          <p:cNvSpPr txBox="1"/>
+          <p:nvPr>
+            <p:ph idx="2" type="body"/>
+          </p:nvPr>
+        </p:nvSpPr>
+        <p:spPr>
+          <a:xfrm>
+            <a:off x="4832400" y="1152475"/>
+            <a:ext cx="3999900" cy="3416400"/>
+          </a:xfrm>
+          <a:prstGeom prst="rect">
+            <a:avLst/>
+          </a:prstGeom>
+        </p:spPr>
+        <p:txBody>
+          <a:bodyPr anchorCtr="0" anchor="t" bIns="91425" lIns="91425" spcFirstLastPara="1" rIns="91425" wrap="square" tIns="91425">
+            <a:normAutofit/>
+          </a:bodyPr>
+          <a:lstStyle/>
+          <a:p>
+            <a:pPr indent="0" lvl="0" marL="0" rtl="0" algn="l">
+              <a:spcBef>
+                <a:spcPts val="0"/>
+              </a:spcBef>
+              <a:spcAft>
+                <a:spcPts val="1200"/>
+              </a:spcAft>
+              <a:buNone/>
+            </a:pPr>
+            <a:r>
+              <a:rPr b="1" lang="en"/>
+              <a:t>Mean Absolute Deviation</a:t>
+            </a:r>
+            <a:endParaRPr b="1"/>
+          </a:p>
+        </p:txBody>
+      </p:sp>
+      <p:pic>
+        <p:nvPicPr>
+          <p:cNvPr id="178" name="Google Shape;178;p30"/>
+          <p:cNvPicPr preferRelativeResize="0"/>
+          <p:nvPr/>
+        </p:nvPicPr>
+        <p:blipFill rotWithShape="1">
+          <a:blip r:embed="rId3">
+            <a:alphaModFix/>
+          </a:blip>
+          <a:srcRect b="0" l="35839" r="0" t="0"/>
+          <a:stretch/>
+        </p:blipFill>
+        <p:spPr>
+          <a:xfrm>
+            <a:off x="686325" y="2279650"/>
+            <a:ext cx="2456700" cy="1162050"/>
+          </a:xfrm>
+          <a:prstGeom prst="rect">
+            <a:avLst/>
+          </a:prstGeom>
+          <a:noFill/>
+          <a:ln>
+            <a:noFill/>
+          </a:ln>
+        </p:spPr>
+      </p:pic>
+      <p:pic>
+        <p:nvPicPr>
+          <p:cNvPr id="179" name="Google Shape;179;p30"/>
+          <p:cNvPicPr preferRelativeResize="0"/>
+          <p:nvPr/>
+        </p:nvPicPr>
+        <p:blipFill rotWithShape="1">
+          <a:blip r:embed="rId4">
+            <a:alphaModFix/>
+          </a:blip>
+          <a:srcRect b="0" l="45495" r="0" t="0"/>
+          <a:stretch/>
+        </p:blipFill>
+        <p:spPr>
+          <a:xfrm>
+            <a:off x="5541625" y="2394450"/>
+            <a:ext cx="1696775" cy="1511200"/>
+          </a:xfrm>
+          <a:prstGeom prst="rect">
+            <a:avLst/>
+          </a:prstGeom>
+          <a:noFill/>
+          <a:ln>
+            <a:noFill/>
+          </a:ln>
+        </p:spPr>
+      </p:pic>
     </p:spTree>
   </p:cSld>
   <p:clrMapOvr>
@@ -8917,7 +9258,7 @@
   <p:cSld>
     <p:spTree>
       <p:nvGrpSpPr>
-        <p:cNvPr id="176" name="Shape 176"/>
+        <p:cNvPr id="183" name="Shape 183"/>
         <p:cNvGrpSpPr/>
         <p:nvPr/>
       </p:nvGrpSpPr>
@@ -8931,7 +9272,7 @@
       </p:grpSpPr>
       <p:sp>
         <p:nvSpPr>
-          <p:cNvPr id="177" name="Google Shape;177;p31"/>
+          <p:cNvPr id="184" name="Google Shape;184;p31"/>
           <p:cNvSpPr txBox="1"/>
           <p:nvPr>
             <p:ph type="title"/>
@@ -8963,7 +9304,7 @@
             </a:pPr>
             <a:r>
               <a:rPr lang="en"/>
-              <a:t>Vector Autoregression (VAR)</a:t>
+              <a:t>Model Comparison</a:t>
             </a:r>
             <a:endParaRPr/>
           </a:p>
@@ -8971,7 +9312,7 @@
       </p:sp>
       <p:sp>
         <p:nvSpPr>
-          <p:cNvPr id="178" name="Google Shape;178;p31"/>
+          <p:cNvPr id="185" name="Google Shape;185;p31"/>
           <p:cNvSpPr txBox="1"/>
           <p:nvPr>
             <p:ph idx="1" type="body"/>
@@ -8980,7 +9321,7 @@
         <p:spPr>
           <a:xfrm>
             <a:off x="311700" y="1152475"/>
-            <a:ext cx="8520600" cy="3416400"/>
+            <a:ext cx="3999900" cy="3416400"/>
           </a:xfrm>
           <a:prstGeom prst="rect">
             <a:avLst/>
@@ -9003,12 +9344,138 @@
             </a:pPr>
             <a:r>
               <a:rPr lang="en"/>
-              <a:t>Mul</a:t>
+              <a:t>Root Mean Squared Error</a:t>
             </a:r>
             <a:endParaRPr/>
           </a:p>
         </p:txBody>
       </p:sp>
+      <p:sp>
+        <p:nvSpPr>
+          <p:cNvPr id="186" name="Google Shape;186;p31"/>
+          <p:cNvSpPr txBox="1"/>
+          <p:nvPr>
+            <p:ph idx="2" type="body"/>
+          </p:nvPr>
+        </p:nvSpPr>
+        <p:spPr>
+          <a:xfrm>
+            <a:off x="4832400" y="1152475"/>
+            <a:ext cx="3999900" cy="3416400"/>
+          </a:xfrm>
+          <a:prstGeom prst="rect">
+            <a:avLst/>
+          </a:prstGeom>
+        </p:spPr>
+        <p:txBody>
+          <a:bodyPr anchorCtr="0" anchor="t" bIns="91425" lIns="91425" spcFirstLastPara="1" rIns="91425" wrap="square" tIns="91425">
+            <a:normAutofit/>
+          </a:bodyPr>
+          <a:lstStyle/>
+          <a:p>
+            <a:pPr indent="0" lvl="0" marL="0" rtl="0" algn="l">
+              <a:spcBef>
+                <a:spcPts val="0"/>
+              </a:spcBef>
+              <a:spcAft>
+                <a:spcPts val="0"/>
+              </a:spcAft>
+              <a:buNone/>
+            </a:pPr>
+            <a:r>
+              <a:rPr lang="en"/>
+              <a:t>Mean Absolute Percentage Error</a:t>
+            </a:r>
+            <a:endParaRPr/>
+          </a:p>
+          <a:p>
+            <a:pPr indent="0" lvl="0" marL="0" rtl="0" algn="l">
+              <a:spcBef>
+                <a:spcPts val="1200"/>
+              </a:spcBef>
+              <a:spcAft>
+                <a:spcPts val="0"/>
+              </a:spcAft>
+              <a:buNone/>
+            </a:pPr>
+            <a:r>
+              <a:t/>
+            </a:r>
+            <a:endParaRPr/>
+          </a:p>
+          <a:p>
+            <a:pPr indent="0" lvl="0" marL="0" rtl="0" algn="l">
+              <a:spcBef>
+                <a:spcPts val="1200"/>
+              </a:spcBef>
+              <a:spcAft>
+                <a:spcPts val="1200"/>
+              </a:spcAft>
+              <a:buNone/>
+            </a:pPr>
+            <a:r>
+              <a:t/>
+            </a:r>
+            <a:endParaRPr/>
+          </a:p>
+        </p:txBody>
+      </p:sp>
+      <p:pic>
+        <p:nvPicPr>
+          <p:cNvPr id="187" name="Google Shape;187;p31"/>
+          <p:cNvPicPr preferRelativeResize="0"/>
+          <p:nvPr/>
+        </p:nvPicPr>
+        <p:blipFill>
+          <a:blip r:embed="rId3">
+            <a:alphaModFix/>
+          </a:blip>
+          <a:stretch>
+            <a:fillRect/>
+          </a:stretch>
+        </p:blipFill>
+        <p:spPr>
+          <a:xfrm>
+            <a:off x="4892500" y="2228725"/>
+            <a:ext cx="3879700" cy="1670125"/>
+          </a:xfrm>
+          <a:prstGeom prst="rect">
+            <a:avLst/>
+          </a:prstGeom>
+          <a:noFill/>
+          <a:ln>
+            <a:noFill/>
+          </a:ln>
+        </p:spPr>
+      </p:pic>
+      <p:pic>
+        <p:nvPicPr>
+          <p:cNvPr id="188" name="Google Shape;188;p31"/>
+          <p:cNvPicPr preferRelativeResize="0"/>
+          <p:nvPr/>
+        </p:nvPicPr>
+        <p:blipFill>
+          <a:blip r:embed="rId4">
+            <a:alphaModFix/>
+          </a:blip>
+          <a:stretch>
+            <a:fillRect/>
+          </a:stretch>
+        </p:blipFill>
+        <p:spPr>
+          <a:xfrm>
+            <a:off x="371797" y="2228722"/>
+            <a:ext cx="3879700" cy="1670150"/>
+          </a:xfrm>
+          <a:prstGeom prst="rect">
+            <a:avLst/>
+          </a:prstGeom>
+          <a:noFill/>
+          <a:ln>
+            <a:noFill/>
+          </a:ln>
+        </p:spPr>
+      </p:pic>
     </p:spTree>
   </p:cSld>
   <p:clrMapOvr>
@@ -9116,7 +9583,7 @@
             </a:r>
             <a:r>
               <a:rPr lang="en"/>
-              <a:t> at regular intervals time intervals that is indexed / ordered chronologically.</a:t>
+              <a:t> at regular intervals that is indexed / ordered chronologically.</a:t>
             </a:r>
             <a:endParaRPr/>
           </a:p>
@@ -9671,6 +10138,111 @@
 </p:sld>
 </file>
 
+<file path=ppt/slides/slide20.xml><?xml version="1.0" encoding="utf-8"?>
+<p:sld xmlns:a="http://schemas.openxmlformats.org/drawingml/2006/main" xmlns:r="http://schemas.openxmlformats.org/officeDocument/2006/relationships" xmlns:mc="http://schemas.openxmlformats.org/markup-compatibility/2006" xmlns:mv="urn:schemas-microsoft-com:mac:vml" xmlns:p="http://schemas.openxmlformats.org/presentationml/2006/main" xmlns:c="http://schemas.openxmlformats.org/drawingml/2006/chart" xmlns:dgm="http://schemas.openxmlformats.org/drawingml/2006/diagram" xmlns:o="urn:schemas-microsoft-com:office:office" xmlns:v="urn:schemas-microsoft-com:vml" xmlns:pvml="urn:schemas-microsoft-com:office:powerpoint" xmlns:com="http://schemas.openxmlformats.org/drawingml/2006/compatibility" xmlns:p14="http://schemas.microsoft.com/office/powerpoint/2010/main" xmlns:p15="http://schemas.microsoft.com/office/powerpoint/2012/main" xmlns:ahyp="http://schemas.microsoft.com/office/drawing/2018/hyperlinkcolor">
+  <p:cSld>
+    <p:spTree>
+      <p:nvGrpSpPr>
+        <p:cNvPr id="192" name="Shape 192"/>
+        <p:cNvGrpSpPr/>
+        <p:nvPr/>
+      </p:nvGrpSpPr>
+      <p:grpSpPr>
+        <a:xfrm>
+          <a:off x="0" y="0"/>
+          <a:ext cx="0" cy="0"/>
+          <a:chOff x="0" y="0"/>
+          <a:chExt cx="0" cy="0"/>
+        </a:xfrm>
+      </p:grpSpPr>
+      <p:sp>
+        <p:nvSpPr>
+          <p:cNvPr id="193" name="Google Shape;193;p32"/>
+          <p:cNvSpPr txBox="1"/>
+          <p:nvPr>
+            <p:ph type="title"/>
+          </p:nvPr>
+        </p:nvSpPr>
+        <p:spPr>
+          <a:xfrm>
+            <a:off x="311700" y="445025"/>
+            <a:ext cx="8520600" cy="572700"/>
+          </a:xfrm>
+          <a:prstGeom prst="rect">
+            <a:avLst/>
+          </a:prstGeom>
+        </p:spPr>
+        <p:txBody>
+          <a:bodyPr anchorCtr="0" anchor="t" bIns="91425" lIns="91425" spcFirstLastPara="1" rIns="91425" wrap="square" tIns="91425">
+            <a:normAutofit fontScale="90000"/>
+          </a:bodyPr>
+          <a:lstStyle/>
+          <a:p>
+            <a:pPr indent="0" lvl="0" marL="0" rtl="0" algn="l">
+              <a:spcBef>
+                <a:spcPts val="0"/>
+              </a:spcBef>
+              <a:spcAft>
+                <a:spcPts val="0"/>
+              </a:spcAft>
+              <a:buNone/>
+            </a:pPr>
+            <a:r>
+              <a:rPr lang="en"/>
+              <a:t>Vector Autoregression (VAR)</a:t>
+            </a:r>
+            <a:endParaRPr/>
+          </a:p>
+        </p:txBody>
+      </p:sp>
+      <p:sp>
+        <p:nvSpPr>
+          <p:cNvPr id="194" name="Google Shape;194;p32"/>
+          <p:cNvSpPr txBox="1"/>
+          <p:nvPr>
+            <p:ph idx="1" type="body"/>
+          </p:nvPr>
+        </p:nvSpPr>
+        <p:spPr>
+          <a:xfrm>
+            <a:off x="311700" y="1152475"/>
+            <a:ext cx="8520600" cy="3416400"/>
+          </a:xfrm>
+          <a:prstGeom prst="rect">
+            <a:avLst/>
+          </a:prstGeom>
+        </p:spPr>
+        <p:txBody>
+          <a:bodyPr anchorCtr="0" anchor="t" bIns="91425" lIns="91425" spcFirstLastPara="1" rIns="91425" wrap="square" tIns="91425">
+            <a:normAutofit/>
+          </a:bodyPr>
+          <a:lstStyle/>
+          <a:p>
+            <a:pPr indent="0" lvl="0" marL="0" rtl="0" algn="l">
+              <a:spcBef>
+                <a:spcPts val="0"/>
+              </a:spcBef>
+              <a:spcAft>
+                <a:spcPts val="1200"/>
+              </a:spcAft>
+              <a:buNone/>
+            </a:pPr>
+            <a:r>
+              <a:rPr lang="en"/>
+              <a:t>Coming soon, maybe</a:t>
+            </a:r>
+            <a:endParaRPr/>
+          </a:p>
+        </p:txBody>
+      </p:sp>
+    </p:spTree>
+  </p:cSld>
+  <p:clrMapOvr>
+    <a:masterClrMapping/>
+  </p:clrMapOvr>
+</p:sld>
+</file>
+
 <file path=ppt/slides/slide3.xml><?xml version="1.0" encoding="utf-8"?>
 <p:sld xmlns:a="http://schemas.openxmlformats.org/drawingml/2006/main" xmlns:r="http://schemas.openxmlformats.org/officeDocument/2006/relationships" xmlns:mc="http://schemas.openxmlformats.org/markup-compatibility/2006" xmlns:mv="urn:schemas-microsoft-com:mac:vml" xmlns:p="http://schemas.openxmlformats.org/presentationml/2006/main" xmlns:c="http://schemas.openxmlformats.org/drawingml/2006/chart" xmlns:dgm="http://schemas.openxmlformats.org/drawingml/2006/diagram" xmlns:o="urn:schemas-microsoft-com:office:office" xmlns:v="urn:schemas-microsoft-com:vml" xmlns:pvml="urn:schemas-microsoft-com:office:powerpoint" xmlns:com="http://schemas.openxmlformats.org/drawingml/2006/compatibility" xmlns:p14="http://schemas.microsoft.com/office/powerpoint/2010/main" xmlns:p15="http://schemas.microsoft.com/office/powerpoint/2012/main" xmlns:ahyp="http://schemas.microsoft.com/office/drawing/2018/hyperlinkcolor">
   <p:cSld>
@@ -10385,7 +10957,7 @@
 </file>
 
 <file path=ppt/slides/slide5.xml><?xml version="1.0" encoding="utf-8"?>
-<p:sld xmlns:a="http://schemas.openxmlformats.org/drawingml/2006/main" xmlns:r="http://schemas.openxmlformats.org/officeDocument/2006/relationships" xmlns:mc="http://schemas.openxmlformats.org/markup-compatibility/2006" xmlns:mv="urn:schemas-microsoft-com:mac:vml" xmlns:p="http://schemas.openxmlformats.org/presentationml/2006/main" xmlns:c="http://schemas.openxmlformats.org/drawingml/2006/chart" xmlns:dgm="http://schemas.openxmlformats.org/drawingml/2006/diagram" xmlns:o="urn:schemas-microsoft-com:office:office" xmlns:v="urn:schemas-microsoft-com:vml" xmlns:pvml="urn:schemas-microsoft-com:office:powerpoint" xmlns:com="http://schemas.openxmlformats.org/drawingml/2006/compatibility" xmlns:p14="http://schemas.microsoft.com/office/powerpoint/2010/main" xmlns:p15="http://schemas.microsoft.com/office/powerpoint/2012/main" xmlns:ahyp="http://schemas.microsoft.com/office/drawing/2018/hyperlinkcolor" show="0">
+<p:sld xmlns:a="http://schemas.openxmlformats.org/drawingml/2006/main" xmlns:r="http://schemas.openxmlformats.org/officeDocument/2006/relationships" xmlns:mc="http://schemas.openxmlformats.org/markup-compatibility/2006" xmlns:mv="urn:schemas-microsoft-com:mac:vml" xmlns:p="http://schemas.openxmlformats.org/presentationml/2006/main" xmlns:c="http://schemas.openxmlformats.org/drawingml/2006/chart" xmlns:dgm="http://schemas.openxmlformats.org/drawingml/2006/diagram" xmlns:o="urn:schemas-microsoft-com:office:office" xmlns:v="urn:schemas-microsoft-com:vml" xmlns:pvml="urn:schemas-microsoft-com:office:powerpoint" xmlns:com="http://schemas.openxmlformats.org/drawingml/2006/compatibility" xmlns:p14="http://schemas.microsoft.com/office/powerpoint/2010/main" xmlns:p15="http://schemas.microsoft.com/office/powerpoint/2012/main" xmlns:ahyp="http://schemas.microsoft.com/office/drawing/2018/hyperlinkcolor">
   <p:cSld>
     <p:spTree>
       <p:nvGrpSpPr>
@@ -10452,7 +11024,7 @@
         <p:spPr>
           <a:xfrm>
             <a:off x="311700" y="1152475"/>
-            <a:ext cx="8520600" cy="3416400"/>
+            <a:ext cx="4260300" cy="3416400"/>
           </a:xfrm>
           <a:prstGeom prst="rect">
             <a:avLst/>
@@ -10460,7 +11032,7 @@
         </p:spPr>
         <p:txBody>
           <a:bodyPr anchorCtr="0" anchor="t" bIns="91425" lIns="91425" spcFirstLastPara="1" rIns="91425" wrap="square" tIns="91425">
-            <a:normAutofit/>
+            <a:normAutofit lnSpcReduction="10000"/>
           </a:bodyPr>
           <a:lstStyle/>
           <a:p>
@@ -10469,17 +11041,162 @@
                 <a:spcPts val="0"/>
               </a:spcBef>
               <a:spcAft>
+                <a:spcPts val="0"/>
+              </a:spcAft>
+              <a:buNone/>
+            </a:pPr>
+            <a:r>
+              <a:rPr lang="en"/>
+              <a:t>E1 = Y1</a:t>
+            </a:r>
+            <a:endParaRPr/>
+          </a:p>
+          <a:p>
+            <a:pPr indent="0" lvl="0" marL="0" rtl="0" algn="l">
+              <a:spcBef>
                 <a:spcPts val="1200"/>
+              </a:spcBef>
+              <a:spcAft>
+                <a:spcPts val="0"/>
               </a:spcAft>
               <a:buNone/>
             </a:pPr>
             <a:r>
-              <a:t/>
+              <a:rPr lang="en"/>
+              <a:t>Ei = WYi + (1-W))Ei-1</a:t>
+            </a:r>
+            <a:endParaRPr/>
+          </a:p>
+          <a:p>
+            <a:pPr indent="0" lvl="0" marL="0" rtl="0" algn="l">
+              <a:spcBef>
+                <a:spcPts val="1200"/>
+              </a:spcBef>
+              <a:spcAft>
+                <a:spcPts val="0"/>
+              </a:spcAft>
+              <a:buNone/>
+            </a:pPr>
+            <a:r>
+              <a:rPr lang="en"/>
+              <a:t>W ranges from 0 to 1 and is selected </a:t>
+            </a:r>
+            <a:r>
+              <a:rPr lang="en"/>
+              <a:t>subjectively</a:t>
+            </a:r>
+            <a:r>
+              <a:rPr lang="en"/>
+              <a:t>.</a:t>
+            </a:r>
+            <a:endParaRPr/>
+          </a:p>
+          <a:p>
+            <a:pPr indent="0" lvl="0" marL="0" rtl="0" algn="l">
+              <a:spcBef>
+                <a:spcPts val="1200"/>
+              </a:spcBef>
+              <a:spcAft>
+                <a:spcPts val="0"/>
+              </a:spcAft>
+              <a:buNone/>
+            </a:pPr>
+            <a:r>
+              <a:rPr lang="en"/>
+              <a:t>Smaller W = More Smoothing</a:t>
+            </a:r>
+            <a:endParaRPr/>
+          </a:p>
+          <a:p>
+            <a:pPr indent="0" lvl="0" marL="0" rtl="0" algn="l">
+              <a:spcBef>
+                <a:spcPts val="1200"/>
+              </a:spcBef>
+              <a:spcAft>
+                <a:spcPts val="0"/>
+              </a:spcAft>
+              <a:buNone/>
+            </a:pPr>
+            <a:r>
+              <a:rPr lang="en"/>
+              <a:t>Larger W = Better for forecasting</a:t>
+            </a:r>
+            <a:endParaRPr/>
+          </a:p>
+          <a:p>
+            <a:pPr indent="0" lvl="0" marL="0" rtl="0" algn="l">
+              <a:spcBef>
+                <a:spcPts val="1200"/>
+              </a:spcBef>
+              <a:spcAft>
+                <a:spcPts val="1200"/>
+              </a:spcAft>
+              <a:buNone/>
+            </a:pPr>
+            <a:r>
+              <a:rPr lang="en"/>
+              <a:t>Yi+1 = Ei for forecasting one period ahead</a:t>
             </a:r>
             <a:endParaRPr/>
           </a:p>
         </p:txBody>
       </p:sp>
+      <p:pic>
+        <p:nvPicPr>
+          <p:cNvPr id="83" name="Google Shape;83;p17"/>
+          <p:cNvPicPr preferRelativeResize="0"/>
+          <p:nvPr/>
+        </p:nvPicPr>
+        <p:blipFill>
+          <a:blip r:embed="rId3">
+            <a:alphaModFix/>
+          </a:blip>
+          <a:stretch>
+            <a:fillRect/>
+          </a:stretch>
+        </p:blipFill>
+        <p:spPr>
+          <a:xfrm>
+            <a:off x="4460425" y="1152476"/>
+            <a:ext cx="4531602" cy="1225825"/>
+          </a:xfrm>
+          <a:prstGeom prst="rect">
+            <a:avLst/>
+          </a:prstGeom>
+          <a:noFill/>
+          <a:ln>
+            <a:noFill/>
+          </a:ln>
+        </p:spPr>
+      </p:pic>
+      <p:pic>
+        <p:nvPicPr>
+          <p:cNvPr id="84" name="Google Shape;84;p17"/>
+          <p:cNvPicPr preferRelativeResize="0"/>
+          <p:nvPr/>
+        </p:nvPicPr>
+        <p:blipFill>
+          <a:blip r:embed="rId4">
+            <a:alphaModFix/>
+          </a:blip>
+          <a:stretch>
+            <a:fillRect/>
+          </a:stretch>
+        </p:blipFill>
+        <p:spPr>
+          <a:xfrm>
+            <a:off x="4724400" y="2777353"/>
+            <a:ext cx="3682778" cy="2213747"/>
+          </a:xfrm>
+          <a:prstGeom prst="rect">
+            <a:avLst/>
+          </a:prstGeom>
+          <a:noFill/>
+          <a:ln>
+            <a:noFill/>
+          </a:ln>
+        </p:spPr>
+      </p:pic>
     </p:spTree>
   </p:cSld>
   <p:clrMapOvr>
@@ -10493,7 +11210,7 @@
   <p:cSld>
     <p:spTree>
       <p:nvGrpSpPr>
-        <p:cNvPr id="86" name="Shape 86"/>
+        <p:cNvPr id="88" name="Shape 88"/>
         <p:cNvGrpSpPr/>
         <p:nvPr/>
       </p:nvGrpSpPr>
@@ -10507,7 +11224,7 @@
       </p:grpSpPr>
       <p:sp>
         <p:nvSpPr>
-          <p:cNvPr id="87" name="Google Shape;87;p18"/>
+          <p:cNvPr id="89" name="Google Shape;89;p18"/>
           <p:cNvSpPr txBox="1"/>
           <p:nvPr>
             <p:ph type="title"/>
@@ -10547,7 +11264,7 @@
       </p:sp>
       <p:sp>
         <p:nvSpPr>
-          <p:cNvPr id="88" name="Google Shape;88;p18"/>
+          <p:cNvPr id="90" name="Google Shape;90;p18"/>
           <p:cNvSpPr txBox="1"/>
           <p:nvPr>
             <p:ph idx="1" type="body"/>
@@ -10599,7 +11316,7 @@
             </a:pPr>
             <a:r>
               <a:rPr lang="en"/>
-              <a:t>Seasonality: Fluctuations that repeat over a specific period</a:t>
+              <a:t>Seasonality: Fluctuations that repeat over a specific period - regular </a:t>
             </a:r>
             <a:endParaRPr/>
           </a:p>
@@ -10615,7 +11332,7 @@
             </a:pPr>
             <a:r>
               <a:rPr lang="en"/>
-              <a:t>Cyclical: Fluctuations that do not follow a fixed schedule</a:t>
+              <a:t>Cyclical: Fluctuations that do not repeat over a specific period - irregular</a:t>
             </a:r>
             <a:endParaRPr/>
           </a:p>
@@ -10631,7 +11348,7 @@
             </a:pPr>
             <a:r>
               <a:rPr lang="en"/>
-              <a:t>Irregular / Error / Random: Fluctuations in the data that occur after trend, seasonality, and cyclical factors are accounted for.</a:t>
+              <a:t>Noise / Error / Random: Fluctuations in the data that occur after trend, seasonality, and cyclical factors are accounted for.</a:t>
             </a:r>
             <a:endParaRPr/>
           </a:p>
@@ -10639,7 +11356,7 @@
       </p:sp>
       <p:pic>
         <p:nvPicPr>
-          <p:cNvPr id="89" name="Google Shape;89;p18"/>
+          <p:cNvPr id="91" name="Google Shape;91;p18"/>
           <p:cNvPicPr preferRelativeResize="0"/>
           <p:nvPr/>
         </p:nvPicPr>
@@ -10704,7 +11421,7 @@
                                           </p:stCondLst>
                                         </p:cTn>
                                         <p:tgtEl>
-                                          <p:spTgt spid="88">
+                                          <p:spTgt spid="90">
                                             <p:txEl>
                                               <p:pRg end="0" st="0"/>
                                             </p:txEl>
@@ -10753,7 +11470,7 @@
                                           </p:stCondLst>
                                         </p:cTn>
                                         <p:tgtEl>
-                                          <p:spTgt spid="88">
+                                          <p:spTgt spid="90">
                                             <p:txEl>
                                               <p:pRg end="1" st="1"/>
                                             </p:txEl>
@@ -10802,7 +11519,7 @@
                                           </p:stCondLst>
                                         </p:cTn>
                                         <p:tgtEl>
-                                          <p:spTgt spid="88">
+                                          <p:spTgt spid="90">
                                             <p:txEl>
                                               <p:pRg end="2" st="2"/>
                                             </p:txEl>
@@ -10851,7 +11568,7 @@
                                           </p:stCondLst>
                                         </p:cTn>
                                         <p:tgtEl>
-                                          <p:spTgt spid="88">
+                                          <p:spTgt spid="90">
                                             <p:txEl>
                                               <p:pRg end="3" st="3"/>
                                             </p:txEl>
@@ -10900,7 +11617,7 @@
                                           </p:stCondLst>
                                         </p:cTn>
                                         <p:tgtEl>
-                                          <p:spTgt spid="89"/>
+                                          <p:spTgt spid="91"/>
                                         </p:tgtEl>
                                         <p:attrNameLst>
                                           <p:attrName>style.visibility</p:attrName>
@@ -10949,7 +11666,7 @@
   <p:cSld>
     <p:spTree>
       <p:nvGrpSpPr>
-        <p:cNvPr id="93" name="Shape 93"/>
+        <p:cNvPr id="95" name="Shape 95"/>
         <p:cNvGrpSpPr/>
         <p:nvPr/>
       </p:nvGrpSpPr>
@@ -10963,7 +11680,7 @@
       </p:grpSpPr>
       <p:sp>
         <p:nvSpPr>
-          <p:cNvPr id="94" name="Google Shape;94;p19"/>
+          <p:cNvPr id="96" name="Google Shape;96;p19"/>
           <p:cNvSpPr txBox="1"/>
           <p:nvPr>
             <p:ph type="title"/>
@@ -10995,7 +11712,7 @@
             </a:pPr>
             <a:r>
               <a:rPr lang="en"/>
-              <a:t>Stationary vs Non-Stationary Data</a:t>
+              <a:t>Time Series Residual Patterns</a:t>
             </a:r>
             <a:endParaRPr/>
           </a:p>
@@ -11003,7 +11720,7 @@
       </p:sp>
       <p:sp>
         <p:nvSpPr>
-          <p:cNvPr id="95" name="Google Shape;95;p19"/>
+          <p:cNvPr id="97" name="Google Shape;97;p19"/>
           <p:cNvSpPr txBox="1"/>
           <p:nvPr>
             <p:ph idx="1" type="body"/>
@@ -11012,7 +11729,7 @@
         <p:spPr>
           <a:xfrm>
             <a:off x="311700" y="1152475"/>
-            <a:ext cx="5068200" cy="3416400"/>
+            <a:ext cx="8520600" cy="3416400"/>
           </a:xfrm>
           <a:prstGeom prst="rect">
             <a:avLst/>
@@ -11020,7 +11737,7 @@
         </p:spPr>
         <p:txBody>
           <a:bodyPr anchorCtr="0" anchor="t" bIns="91425" lIns="91425" spcFirstLastPara="1" rIns="91425" wrap="square" tIns="91425">
-            <a:normAutofit fontScale="92500" lnSpcReduction="10000"/>
+            <a:normAutofit/>
           </a:bodyPr>
           <a:lstStyle/>
           <a:p>
@@ -11029,101 +11746,13 @@
                 <a:spcPts val="0"/>
               </a:spcBef>
               <a:spcAft>
-                <a:spcPts val="0"/>
+                <a:spcPts val="1200"/>
               </a:spcAft>
               <a:buNone/>
             </a:pPr>
             <a:r>
               <a:rPr lang="en"/>
-              <a:t>Stationary data has a constant mean and variance.</a:t>
-            </a:r>
-            <a:endParaRPr/>
-          </a:p>
-          <a:p>
-            <a:pPr indent="0" lvl="0" marL="0" rtl="0" algn="l">
-              <a:spcBef>
-                <a:spcPts val="1200"/>
-              </a:spcBef>
-              <a:spcAft>
-                <a:spcPts val="0"/>
-              </a:spcAft>
-              <a:buNone/>
-            </a:pPr>
-            <a:r>
-              <a:rPr lang="en"/>
-              <a:t>Often stationarity is required for proper forecasting.</a:t>
-            </a:r>
-            <a:endParaRPr/>
-          </a:p>
-          <a:p>
-            <a:pPr indent="0" lvl="0" marL="0" rtl="0" algn="l">
-              <a:spcBef>
-                <a:spcPts val="1200"/>
-              </a:spcBef>
-              <a:spcAft>
-                <a:spcPts val="0"/>
-              </a:spcAft>
-              <a:buNone/>
-            </a:pPr>
-            <a:r>
-              <a:rPr lang="en"/>
-              <a:t>If transformed to create </a:t>
-            </a:r>
-            <a:r>
-              <a:rPr lang="en"/>
-              <a:t>stationary</a:t>
-            </a:r>
-            <a:r>
-              <a:rPr lang="en"/>
-              <a:t> data, interpretation of model results may change. </a:t>
-            </a:r>
-            <a:endParaRPr/>
-          </a:p>
-          <a:p>
-            <a:pPr indent="0" lvl="0" marL="0" rtl="0" algn="l">
-              <a:spcBef>
-                <a:spcPts val="1200"/>
-              </a:spcBef>
-              <a:spcAft>
-                <a:spcPts val="0"/>
-              </a:spcAft>
-              <a:buNone/>
-            </a:pPr>
-            <a:r>
-              <a:rPr lang="en"/>
-              <a:t>Use Augmented Dickey Fuller test to for stationarity</a:t>
-            </a:r>
-            <a:endParaRPr/>
-          </a:p>
-          <a:p>
-            <a:pPr indent="0" lvl="0" marL="0" rtl="0" algn="l">
-              <a:spcBef>
-                <a:spcPts val="1200"/>
-              </a:spcBef>
-              <a:spcAft>
-                <a:spcPts val="0"/>
-              </a:spcAft>
-              <a:buNone/>
-            </a:pPr>
-            <a:r>
-              <a:rPr lang="en"/>
-              <a:t>HO: Non-Stationary, HA: Stationary</a:t>
-            </a:r>
-            <a:endParaRPr/>
-          </a:p>
-          <a:p>
-            <a:pPr indent="0" lvl="0" marL="0" rtl="0" algn="l">
-              <a:spcBef>
-                <a:spcPts val="1200"/>
-              </a:spcBef>
-              <a:spcAft>
-                <a:spcPts val="1200"/>
-              </a:spcAft>
-              <a:buNone/>
-            </a:pPr>
-            <a:r>
-              <a:rPr lang="en"/>
-              <a:t>If p-value &lt; alpha, reject the null that the data are non-stationary / conclude that the data probably are stationary </a:t>
+              <a:t>Plot errors vs time</a:t>
             </a:r>
             <a:endParaRPr/>
           </a:p>
@@ -11131,7 +11760,7 @@
       </p:sp>
       <p:pic>
         <p:nvPicPr>
-          <p:cNvPr id="96" name="Google Shape;96;p19"/>
+          <p:cNvPr id="98" name="Google Shape;98;p19"/>
           <p:cNvPicPr preferRelativeResize="0"/>
           <p:nvPr/>
         </p:nvPicPr>
@@ -11145,8 +11774,8 @@
         </p:blipFill>
         <p:spPr>
           <a:xfrm>
-            <a:off x="5895625" y="2850525"/>
-            <a:ext cx="2622126" cy="1718346"/>
+            <a:off x="3374325" y="1357238"/>
+            <a:ext cx="5457974" cy="3006874"/>
           </a:xfrm>
           <a:prstGeom prst="rect">
             <a:avLst/>
@@ -11157,9 +11786,230 @@
           </a:ln>
         </p:spPr>
       </p:pic>
+    </p:spTree>
+  </p:cSld>
+  <p:clrMapOvr>
+    <a:masterClrMapping/>
+  </p:clrMapOvr>
+</p:sld>
+</file>
+
+<file path=ppt/slides/slide8.xml><?xml version="1.0" encoding="utf-8"?>
+<p:sld xmlns:a="http://schemas.openxmlformats.org/drawingml/2006/main" xmlns:r="http://schemas.openxmlformats.org/officeDocument/2006/relationships" xmlns:mc="http://schemas.openxmlformats.org/markup-compatibility/2006" xmlns:mv="urn:schemas-microsoft-com:mac:vml" xmlns:p="http://schemas.openxmlformats.org/presentationml/2006/main" xmlns:c="http://schemas.openxmlformats.org/drawingml/2006/chart" xmlns:dgm="http://schemas.openxmlformats.org/drawingml/2006/diagram" xmlns:o="urn:schemas-microsoft-com:office:office" xmlns:v="urn:schemas-microsoft-com:vml" xmlns:pvml="urn:schemas-microsoft-com:office:powerpoint" xmlns:com="http://schemas.openxmlformats.org/drawingml/2006/compatibility" xmlns:p14="http://schemas.microsoft.com/office/powerpoint/2010/main" xmlns:p15="http://schemas.microsoft.com/office/powerpoint/2012/main" xmlns:ahyp="http://schemas.microsoft.com/office/drawing/2018/hyperlinkcolor">
+  <p:cSld>
+    <p:spTree>
+      <p:nvGrpSpPr>
+        <p:cNvPr id="102" name="Shape 102"/>
+        <p:cNvGrpSpPr/>
+        <p:nvPr/>
+      </p:nvGrpSpPr>
+      <p:grpSpPr>
+        <a:xfrm>
+          <a:off x="0" y="0"/>
+          <a:ext cx="0" cy="0"/>
+          <a:chOff x="0" y="0"/>
+          <a:chExt cx="0" cy="0"/>
+        </a:xfrm>
+      </p:grpSpPr>
+      <p:sp>
+        <p:nvSpPr>
+          <p:cNvPr id="103" name="Google Shape;103;p20"/>
+          <p:cNvSpPr txBox="1"/>
+          <p:nvPr>
+            <p:ph type="title"/>
+          </p:nvPr>
+        </p:nvSpPr>
+        <p:spPr>
+          <a:xfrm>
+            <a:off x="311700" y="445025"/>
+            <a:ext cx="8520600" cy="572700"/>
+          </a:xfrm>
+          <a:prstGeom prst="rect">
+            <a:avLst/>
+          </a:prstGeom>
+        </p:spPr>
+        <p:txBody>
+          <a:bodyPr anchorCtr="0" anchor="t" bIns="91425" lIns="91425" spcFirstLastPara="1" rIns="91425" wrap="square" tIns="91425">
+            <a:normAutofit fontScale="90000"/>
+          </a:bodyPr>
+          <a:lstStyle/>
+          <a:p>
+            <a:pPr indent="0" lvl="0" marL="0" rtl="0" algn="l">
+              <a:spcBef>
+                <a:spcPts val="0"/>
+              </a:spcBef>
+              <a:spcAft>
+                <a:spcPts val="0"/>
+              </a:spcAft>
+              <a:buNone/>
+            </a:pPr>
+            <a:r>
+              <a:rPr lang="en"/>
+              <a:t>Stationary vs Non-Stationary Data</a:t>
+            </a:r>
+            <a:endParaRPr/>
+          </a:p>
+        </p:txBody>
+      </p:sp>
+      <p:sp>
+        <p:nvSpPr>
+          <p:cNvPr id="104" name="Google Shape;104;p20"/>
+          <p:cNvSpPr txBox="1"/>
+          <p:nvPr>
+            <p:ph idx="1" type="body"/>
+          </p:nvPr>
+        </p:nvSpPr>
+        <p:spPr>
+          <a:xfrm>
+            <a:off x="311700" y="1152475"/>
+            <a:ext cx="5068200" cy="3416400"/>
+          </a:xfrm>
+          <a:prstGeom prst="rect">
+            <a:avLst/>
+          </a:prstGeom>
+        </p:spPr>
+        <p:txBody>
+          <a:bodyPr anchorCtr="0" anchor="t" bIns="91425" lIns="91425" spcFirstLastPara="1" rIns="91425" wrap="square" tIns="91425">
+            <a:normAutofit fontScale="92500" lnSpcReduction="10000"/>
+          </a:bodyPr>
+          <a:lstStyle/>
+          <a:p>
+            <a:pPr indent="0" lvl="0" marL="0" rtl="0" algn="l">
+              <a:spcBef>
+                <a:spcPts val="0"/>
+              </a:spcBef>
+              <a:spcAft>
+                <a:spcPts val="0"/>
+              </a:spcAft>
+              <a:buNone/>
+            </a:pPr>
+            <a:r>
+              <a:rPr lang="en"/>
+              <a:t>Stationary data has a constant mean and variance.</a:t>
+            </a:r>
+            <a:endParaRPr/>
+          </a:p>
+          <a:p>
+            <a:pPr indent="0" lvl="0" marL="0" rtl="0" algn="l">
+              <a:spcBef>
+                <a:spcPts val="1200"/>
+              </a:spcBef>
+              <a:spcAft>
+                <a:spcPts val="0"/>
+              </a:spcAft>
+              <a:buNone/>
+            </a:pPr>
+            <a:r>
+              <a:rPr lang="en"/>
+              <a:t>Often stationarity is required for proper forecasting.</a:t>
+            </a:r>
+            <a:endParaRPr/>
+          </a:p>
+          <a:p>
+            <a:pPr indent="0" lvl="0" marL="0" rtl="0" algn="l">
+              <a:spcBef>
+                <a:spcPts val="1200"/>
+              </a:spcBef>
+              <a:spcAft>
+                <a:spcPts val="0"/>
+              </a:spcAft>
+              <a:buNone/>
+            </a:pPr>
+            <a:r>
+              <a:rPr lang="en"/>
+              <a:t>If transformed to create </a:t>
+            </a:r>
+            <a:r>
+              <a:rPr lang="en"/>
+              <a:t>stationary</a:t>
+            </a:r>
+            <a:r>
+              <a:rPr lang="en"/>
+              <a:t> data, interpretation of model results may change. </a:t>
+            </a:r>
+            <a:endParaRPr/>
+          </a:p>
+          <a:p>
+            <a:pPr indent="0" lvl="0" marL="0" rtl="0" algn="l">
+              <a:spcBef>
+                <a:spcPts val="1200"/>
+              </a:spcBef>
+              <a:spcAft>
+                <a:spcPts val="0"/>
+              </a:spcAft>
+              <a:buNone/>
+            </a:pPr>
+            <a:r>
+              <a:rPr lang="en"/>
+              <a:t>Use Augmented Dickey Fuller test to for stationarity</a:t>
+            </a:r>
+            <a:endParaRPr/>
+          </a:p>
+          <a:p>
+            <a:pPr indent="0" lvl="0" marL="0" rtl="0" algn="l">
+              <a:spcBef>
+                <a:spcPts val="1200"/>
+              </a:spcBef>
+              <a:spcAft>
+                <a:spcPts val="0"/>
+              </a:spcAft>
+              <a:buNone/>
+            </a:pPr>
+            <a:r>
+              <a:rPr lang="en"/>
+              <a:t>HO: Non-Stationary, HA: Stationary</a:t>
+            </a:r>
+            <a:endParaRPr/>
+          </a:p>
+          <a:p>
+            <a:pPr indent="0" lvl="0" marL="0" rtl="0" algn="l">
+              <a:spcBef>
+                <a:spcPts val="1200"/>
+              </a:spcBef>
+              <a:spcAft>
+                <a:spcPts val="1200"/>
+              </a:spcAft>
+              <a:buNone/>
+            </a:pPr>
+            <a:r>
+              <a:rPr lang="en"/>
+              <a:t>If p-value &lt; alpha, reject the null that the data are non-stationary / conclude that the data probably are stationary </a:t>
+            </a:r>
+            <a:endParaRPr/>
+          </a:p>
+        </p:txBody>
+      </p:sp>
       <p:pic>
         <p:nvPicPr>
-          <p:cNvPr id="97" name="Google Shape;97;p19"/>
+          <p:cNvPr id="105" name="Google Shape;105;p20"/>
+          <p:cNvPicPr preferRelativeResize="0"/>
+          <p:nvPr/>
+        </p:nvPicPr>
+        <p:blipFill>
+          <a:blip r:embed="rId3">
+            <a:alphaModFix/>
+          </a:blip>
+          <a:stretch>
+            <a:fillRect/>
+          </a:stretch>
+        </p:blipFill>
+        <p:spPr>
+          <a:xfrm>
+            <a:off x="5895625" y="2850525"/>
+            <a:ext cx="2622126" cy="1718346"/>
+          </a:xfrm>
+          <a:prstGeom prst="rect">
+            <a:avLst/>
+          </a:prstGeom>
+          <a:noFill/>
+          <a:ln>
+            <a:noFill/>
+          </a:ln>
+        </p:spPr>
+      </p:pic>
+      <p:pic>
+        <p:nvPicPr>
+          <p:cNvPr id="106" name="Google Shape;106;p20"/>
           <p:cNvPicPr preferRelativeResize="0"/>
           <p:nvPr/>
         </p:nvPicPr>
@@ -11224,7 +12074,7 @@
                                           </p:stCondLst>
                                         </p:cTn>
                                         <p:tgtEl>
-                                          <p:spTgt spid="95">
+                                          <p:spTgt spid="104">
                                             <p:txEl>
                                               <p:pRg end="0" st="0"/>
                                             </p:txEl>
@@ -11273,7 +12123,7 @@
                                           </p:stCondLst>
                                         </p:cTn>
                                         <p:tgtEl>
-                                          <p:spTgt spid="95">
+                                          <p:spTgt spid="104">
                                             <p:txEl>
                                               <p:pRg end="1" st="1"/>
                                             </p:txEl>
@@ -11322,7 +12172,7 @@
                                           </p:stCondLst>
                                         </p:cTn>
                                         <p:tgtEl>
-                                          <p:spTgt spid="95">
+                                          <p:spTgt spid="104">
                                             <p:txEl>
                                               <p:pRg end="2" st="2"/>
                                             </p:txEl>
@@ -11371,7 +12221,7 @@
                                           </p:stCondLst>
                                         </p:cTn>
                                         <p:tgtEl>
-                                          <p:spTgt spid="95">
+                                          <p:spTgt spid="104">
                                             <p:txEl>
                                               <p:pRg end="3" st="3"/>
                                             </p:txEl>
@@ -11420,7 +12270,7 @@
                                           </p:stCondLst>
                                         </p:cTn>
                                         <p:tgtEl>
-                                          <p:spTgt spid="95">
+                                          <p:spTgt spid="104">
                                             <p:txEl>
                                               <p:pRg end="4" st="4"/>
                                             </p:txEl>
@@ -11469,513 +12319,9 @@
                                           </p:stCondLst>
                                         </p:cTn>
                                         <p:tgtEl>
-                                          <p:spTgt spid="95">
+                                          <p:spTgt spid="104">
                                             <p:txEl>
                                               <p:pRg end="5" st="5"/>
-                                            </p:txEl>
-                                          </p:spTgt>
-                                        </p:tgtEl>
-                                        <p:attrNameLst>
-                                          <p:attrName>style.visibility</p:attrName>
-                                        </p:attrNameLst>
-                                      </p:cBhvr>
-                                      <p:to>
-                                        <p:strVal val="visible"/>
-                                      </p:to>
-                                    </p:set>
-                                  </p:childTnLst>
-                                </p:cTn>
-                              </p:par>
-                            </p:childTnLst>
-                          </p:cTn>
-                        </p:par>
-                      </p:childTnLst>
-                    </p:cTn>
-                  </p:par>
-                </p:childTnLst>
-              </p:cTn>
-              <p:prevCondLst>
-                <p:cond evt="onPrev">
-                  <p:tgtEl>
-                    <p:sldTgt/>
-                  </p:tgtEl>
-                </p:cond>
-              </p:prevCondLst>
-              <p:nextCondLst>
-                <p:cond evt="onNext">
-                  <p:tgtEl>
-                    <p:sldTgt/>
-                  </p:tgtEl>
-                </p:cond>
-              </p:nextCondLst>
-            </p:seq>
-          </p:childTnLst>
-        </p:cTn>
-      </p:par>
-    </p:tnLst>
-  </p:timing>
-</p:sld>
-</file>
-
-<file path=ppt/slides/slide8.xml><?xml version="1.0" encoding="utf-8"?>
-<p:sld xmlns:a="http://schemas.openxmlformats.org/drawingml/2006/main" xmlns:r="http://schemas.openxmlformats.org/officeDocument/2006/relationships" xmlns:mc="http://schemas.openxmlformats.org/markup-compatibility/2006" xmlns:mv="urn:schemas-microsoft-com:mac:vml" xmlns:p="http://schemas.openxmlformats.org/presentationml/2006/main" xmlns:c="http://schemas.openxmlformats.org/drawingml/2006/chart" xmlns:dgm="http://schemas.openxmlformats.org/drawingml/2006/diagram" xmlns:o="urn:schemas-microsoft-com:office:office" xmlns:v="urn:schemas-microsoft-com:vml" xmlns:pvml="urn:schemas-microsoft-com:office:powerpoint" xmlns:com="http://schemas.openxmlformats.org/drawingml/2006/compatibility" xmlns:p14="http://schemas.microsoft.com/office/powerpoint/2010/main" xmlns:p15="http://schemas.microsoft.com/office/powerpoint/2012/main" xmlns:ahyp="http://schemas.microsoft.com/office/drawing/2018/hyperlinkcolor">
-  <p:cSld>
-    <p:spTree>
-      <p:nvGrpSpPr>
-        <p:cNvPr id="101" name="Shape 101"/>
-        <p:cNvGrpSpPr/>
-        <p:nvPr/>
-      </p:nvGrpSpPr>
-      <p:grpSpPr>
-        <a:xfrm>
-          <a:off x="0" y="0"/>
-          <a:ext cx="0" cy="0"/>
-          <a:chOff x="0" y="0"/>
-          <a:chExt cx="0" cy="0"/>
-        </a:xfrm>
-      </p:grpSpPr>
-      <p:sp>
-        <p:nvSpPr>
-          <p:cNvPr id="102" name="Google Shape;102;p20"/>
-          <p:cNvSpPr txBox="1"/>
-          <p:nvPr>
-            <p:ph type="title"/>
-          </p:nvPr>
-        </p:nvSpPr>
-        <p:spPr>
-          <a:xfrm>
-            <a:off x="311700" y="445025"/>
-            <a:ext cx="8520600" cy="572700"/>
-          </a:xfrm>
-          <a:prstGeom prst="rect">
-            <a:avLst/>
-          </a:prstGeom>
-        </p:spPr>
-        <p:txBody>
-          <a:bodyPr anchorCtr="0" anchor="t" bIns="91425" lIns="91425" spcFirstLastPara="1" rIns="91425" wrap="square" tIns="91425">
-            <a:normAutofit fontScale="90000"/>
-          </a:bodyPr>
-          <a:lstStyle/>
-          <a:p>
-            <a:pPr indent="0" lvl="0" marL="0" rtl="0" algn="l">
-              <a:spcBef>
-                <a:spcPts val="0"/>
-              </a:spcBef>
-              <a:spcAft>
-                <a:spcPts val="0"/>
-              </a:spcAft>
-              <a:buNone/>
-            </a:pPr>
-            <a:r>
-              <a:rPr lang="en"/>
-              <a:t>Differencing</a:t>
-            </a:r>
-            <a:endParaRPr/>
-          </a:p>
-        </p:txBody>
-      </p:sp>
-      <p:sp>
-        <p:nvSpPr>
-          <p:cNvPr id="103" name="Google Shape;103;p20"/>
-          <p:cNvSpPr txBox="1"/>
-          <p:nvPr>
-            <p:ph idx="1" type="body"/>
-          </p:nvPr>
-        </p:nvSpPr>
-        <p:spPr>
-          <a:xfrm>
-            <a:off x="311700" y="1152475"/>
-            <a:ext cx="4260300" cy="3416400"/>
-          </a:xfrm>
-          <a:prstGeom prst="rect">
-            <a:avLst/>
-          </a:prstGeom>
-        </p:spPr>
-        <p:txBody>
-          <a:bodyPr anchorCtr="0" anchor="t" bIns="91425" lIns="91425" spcFirstLastPara="1" rIns="91425" wrap="square" tIns="91425">
-            <a:normAutofit lnSpcReduction="10000"/>
-          </a:bodyPr>
-          <a:lstStyle/>
-          <a:p>
-            <a:pPr indent="0" lvl="0" marL="0" rtl="0" algn="l">
-              <a:spcBef>
-                <a:spcPts val="0"/>
-              </a:spcBef>
-              <a:spcAft>
-                <a:spcPts val="0"/>
-              </a:spcAft>
-              <a:buNone/>
-            </a:pPr>
-            <a:r>
-              <a:rPr b="1" lang="en"/>
-              <a:t>Differencing</a:t>
-            </a:r>
-            <a:r>
-              <a:rPr lang="en"/>
-              <a:t>: Transforming values in a time series by subtracting the prior value(s) </a:t>
-            </a:r>
-            <a:endParaRPr/>
-          </a:p>
-          <a:p>
-            <a:pPr indent="0" lvl="0" marL="0" rtl="0" algn="l">
-              <a:spcBef>
-                <a:spcPts val="1200"/>
-              </a:spcBef>
-              <a:spcAft>
-                <a:spcPts val="0"/>
-              </a:spcAft>
-              <a:buNone/>
-            </a:pPr>
-            <a:r>
-              <a:rPr lang="en"/>
-              <a:t>Used to make non-stationary data stationary</a:t>
-            </a:r>
-            <a:endParaRPr/>
-          </a:p>
-          <a:p>
-            <a:pPr indent="0" lvl="0" marL="0" rtl="0" algn="l">
-              <a:spcBef>
-                <a:spcPts val="1200"/>
-              </a:spcBef>
-              <a:spcAft>
-                <a:spcPts val="0"/>
-              </a:spcAft>
-              <a:buNone/>
-            </a:pPr>
-            <a:r>
-              <a:rPr lang="en"/>
-              <a:t>Interpretation of models may change*</a:t>
-            </a:r>
-            <a:endParaRPr/>
-          </a:p>
-          <a:p>
-            <a:pPr indent="0" lvl="0" marL="0" rtl="0" algn="l">
-              <a:spcBef>
-                <a:spcPts val="1200"/>
-              </a:spcBef>
-              <a:spcAft>
-                <a:spcPts val="0"/>
-              </a:spcAft>
-              <a:buNone/>
-            </a:pPr>
-            <a:r>
-              <a:rPr lang="en"/>
-              <a:t>First difference of Yt = Yt - Yt-1</a:t>
-            </a:r>
-            <a:endParaRPr/>
-          </a:p>
-          <a:p>
-            <a:pPr indent="0" lvl="0" marL="0" rtl="0" algn="l">
-              <a:spcBef>
-                <a:spcPts val="1200"/>
-              </a:spcBef>
-              <a:spcAft>
-                <a:spcPts val="1200"/>
-              </a:spcAft>
-              <a:buNone/>
-            </a:pPr>
-            <a:r>
-              <a:rPr lang="en"/>
-              <a:t>Second difference of Yt = (Yt - Yt-1) - (Yt-1 - Yt-2)</a:t>
-            </a:r>
-            <a:endParaRPr/>
-          </a:p>
-        </p:txBody>
-      </p:sp>
-      <p:pic>
-        <p:nvPicPr>
-          <p:cNvPr id="104" name="Google Shape;104;p20"/>
-          <p:cNvPicPr preferRelativeResize="0"/>
-          <p:nvPr/>
-        </p:nvPicPr>
-        <p:blipFill>
-          <a:blip r:embed="rId3">
-            <a:alphaModFix/>
-          </a:blip>
-          <a:stretch>
-            <a:fillRect/>
-          </a:stretch>
-        </p:blipFill>
-        <p:spPr>
-          <a:xfrm>
-            <a:off x="5546075" y="592650"/>
-            <a:ext cx="2622126" cy="1679546"/>
-          </a:xfrm>
-          <a:prstGeom prst="rect">
-            <a:avLst/>
-          </a:prstGeom>
-          <a:noFill/>
-          <a:ln>
-            <a:noFill/>
-          </a:ln>
-        </p:spPr>
-      </p:pic>
-      <p:pic>
-        <p:nvPicPr>
-          <p:cNvPr id="105" name="Google Shape;105;p20"/>
-          <p:cNvPicPr preferRelativeResize="0"/>
-          <p:nvPr/>
-        </p:nvPicPr>
-        <p:blipFill>
-          <a:blip r:embed="rId4">
-            <a:alphaModFix/>
-          </a:blip>
-          <a:stretch>
-            <a:fillRect/>
-          </a:stretch>
-        </p:blipFill>
-        <p:spPr>
-          <a:xfrm>
-            <a:off x="5546075" y="2723424"/>
-            <a:ext cx="2622116" cy="1679551"/>
-          </a:xfrm>
-          <a:prstGeom prst="rect">
-            <a:avLst/>
-          </a:prstGeom>
-          <a:noFill/>
-          <a:ln>
-            <a:noFill/>
-          </a:ln>
-        </p:spPr>
-      </p:pic>
-    </p:spTree>
-  </p:cSld>
-  <p:clrMapOvr>
-    <a:masterClrMapping/>
-  </p:clrMapOvr>
-  <p:timing>
-    <p:tnLst>
-      <p:par>
-        <p:cTn dur="indefinite" nodeType="tmRoot" restart="never">
-          <p:childTnLst>
-            <p:seq concurrent="1" nextAc="seek">
-              <p:cTn dur="indefinite" id="2" nodeType="mainSeq">
-                <p:childTnLst>
-                  <p:par>
-                    <p:cTn fill="hold">
-                      <p:stCondLst>
-                        <p:cond delay="indefinite"/>
-                      </p:stCondLst>
-                      <p:childTnLst>
-                        <p:par>
-                          <p:cTn fill="hold">
-                            <p:stCondLst>
-                              <p:cond delay="0"/>
-                            </p:stCondLst>
-                            <p:childTnLst>
-                              <p:par>
-                                <p:cTn fill="hold" nodeType="clickEffect" presetClass="entr" presetID="1" presetSubtype="0">
-                                  <p:stCondLst>
-                                    <p:cond delay="0"/>
-                                  </p:stCondLst>
-                                  <p:childTnLst>
-                                    <p:set>
-                                      <p:cBhvr>
-                                        <p:cTn dur="1" fill="hold">
-                                          <p:stCondLst>
-                                            <p:cond delay="0"/>
-                                          </p:stCondLst>
-                                        </p:cTn>
-                                        <p:tgtEl>
-                                          <p:spTgt spid="103">
-                                            <p:txEl>
-                                              <p:pRg end="0" st="0"/>
-                                            </p:txEl>
-                                          </p:spTgt>
-                                        </p:tgtEl>
-                                        <p:attrNameLst>
-                                          <p:attrName>style.visibility</p:attrName>
-                                        </p:attrNameLst>
-                                      </p:cBhvr>
-                                      <p:to>
-                                        <p:strVal val="visible"/>
-                                      </p:to>
-                                    </p:set>
-                                  </p:childTnLst>
-                                </p:cTn>
-                              </p:par>
-                            </p:childTnLst>
-                          </p:cTn>
-                        </p:par>
-                      </p:childTnLst>
-                    </p:cTn>
-                  </p:par>
-                  <p:par>
-                    <p:cTn fill="hold">
-                      <p:stCondLst>
-                        <p:cond delay="indefinite"/>
-                      </p:stCondLst>
-                      <p:childTnLst>
-                        <p:par>
-                          <p:cTn fill="hold">
-                            <p:stCondLst>
-                              <p:cond delay="0"/>
-                            </p:stCondLst>
-                            <p:childTnLst>
-                              <p:par>
-                                <p:cTn fill="hold" nodeType="clickEffect" presetClass="entr" presetID="1" presetSubtype="0">
-                                  <p:stCondLst>
-                                    <p:cond delay="0"/>
-                                  </p:stCondLst>
-                                  <p:childTnLst>
-                                    <p:set>
-                                      <p:cBhvr>
-                                        <p:cTn dur="1" fill="hold">
-                                          <p:stCondLst>
-                                            <p:cond delay="0"/>
-                                          </p:stCondLst>
-                                        </p:cTn>
-                                        <p:tgtEl>
-                                          <p:spTgt spid="103">
-                                            <p:txEl>
-                                              <p:pRg end="1" st="1"/>
-                                            </p:txEl>
-                                          </p:spTgt>
-                                        </p:tgtEl>
-                                        <p:attrNameLst>
-                                          <p:attrName>style.visibility</p:attrName>
-                                        </p:attrNameLst>
-                                      </p:cBhvr>
-                                      <p:to>
-                                        <p:strVal val="visible"/>
-                                      </p:to>
-                                    </p:set>
-                                  </p:childTnLst>
-                                </p:cTn>
-                              </p:par>
-                            </p:childTnLst>
-                          </p:cTn>
-                        </p:par>
-                      </p:childTnLst>
-                    </p:cTn>
-                  </p:par>
-                  <p:par>
-                    <p:cTn fill="hold">
-                      <p:stCondLst>
-                        <p:cond delay="indefinite"/>
-                      </p:stCondLst>
-                      <p:childTnLst>
-                        <p:par>
-                          <p:cTn fill="hold">
-                            <p:stCondLst>
-                              <p:cond delay="0"/>
-                            </p:stCondLst>
-                            <p:childTnLst>
-                              <p:par>
-                                <p:cTn fill="hold" nodeType="clickEffect" presetClass="entr" presetID="1" presetSubtype="0">
-                                  <p:stCondLst>
-                                    <p:cond delay="0"/>
-                                  </p:stCondLst>
-                                  <p:childTnLst>
-                                    <p:set>
-                                      <p:cBhvr>
-                                        <p:cTn dur="1" fill="hold">
-                                          <p:stCondLst>
-                                            <p:cond delay="0"/>
-                                          </p:stCondLst>
-                                        </p:cTn>
-                                        <p:tgtEl>
-                                          <p:spTgt spid="103">
-                                            <p:txEl>
-                                              <p:pRg end="2" st="2"/>
-                                            </p:txEl>
-                                          </p:spTgt>
-                                        </p:tgtEl>
-                                        <p:attrNameLst>
-                                          <p:attrName>style.visibility</p:attrName>
-                                        </p:attrNameLst>
-                                      </p:cBhvr>
-                                      <p:to>
-                                        <p:strVal val="visible"/>
-                                      </p:to>
-                                    </p:set>
-                                  </p:childTnLst>
-                                </p:cTn>
-                              </p:par>
-                            </p:childTnLst>
-                          </p:cTn>
-                        </p:par>
-                      </p:childTnLst>
-                    </p:cTn>
-                  </p:par>
-                  <p:par>
-                    <p:cTn fill="hold">
-                      <p:stCondLst>
-                        <p:cond delay="indefinite"/>
-                      </p:stCondLst>
-                      <p:childTnLst>
-                        <p:par>
-                          <p:cTn fill="hold">
-                            <p:stCondLst>
-                              <p:cond delay="0"/>
-                            </p:stCondLst>
-                            <p:childTnLst>
-                              <p:par>
-                                <p:cTn fill="hold" nodeType="clickEffect" presetClass="entr" presetID="1" presetSubtype="0">
-                                  <p:stCondLst>
-                                    <p:cond delay="0"/>
-                                  </p:stCondLst>
-                                  <p:childTnLst>
-                                    <p:set>
-                                      <p:cBhvr>
-                                        <p:cTn dur="1" fill="hold">
-                                          <p:stCondLst>
-                                            <p:cond delay="0"/>
-                                          </p:stCondLst>
-                                        </p:cTn>
-                                        <p:tgtEl>
-                                          <p:spTgt spid="103">
-                                            <p:txEl>
-                                              <p:pRg end="3" st="3"/>
-                                            </p:txEl>
-                                          </p:spTgt>
-                                        </p:tgtEl>
-                                        <p:attrNameLst>
-                                          <p:attrName>style.visibility</p:attrName>
-                                        </p:attrNameLst>
-                                      </p:cBhvr>
-                                      <p:to>
-                                        <p:strVal val="visible"/>
-                                      </p:to>
-                                    </p:set>
-                                  </p:childTnLst>
-                                </p:cTn>
-                              </p:par>
-                            </p:childTnLst>
-                          </p:cTn>
-                        </p:par>
-                      </p:childTnLst>
-                    </p:cTn>
-                  </p:par>
-                  <p:par>
-                    <p:cTn fill="hold">
-                      <p:stCondLst>
-                        <p:cond delay="indefinite"/>
-                      </p:stCondLst>
-                      <p:childTnLst>
-                        <p:par>
-                          <p:cTn fill="hold">
-                            <p:stCondLst>
-                              <p:cond delay="0"/>
-                            </p:stCondLst>
-                            <p:childTnLst>
-                              <p:par>
-                                <p:cTn fill="hold" nodeType="clickEffect" presetClass="entr" presetID="1" presetSubtype="0">
-                                  <p:stCondLst>
-                                    <p:cond delay="0"/>
-                                  </p:stCondLst>
-                                  <p:childTnLst>
-                                    <p:set>
-                                      <p:cBhvr>
-                                        <p:cTn dur="1" fill="hold">
-                                          <p:stCondLst>
-                                            <p:cond delay="0"/>
-                                          </p:stCondLst>
-                                        </p:cTn>
-                                        <p:tgtEl>
-                                          <p:spTgt spid="103">
-                                            <p:txEl>
-                                              <p:pRg end="4" st="4"/>
                                             </p:txEl>
                                           </p:spTgt>
                                         </p:tgtEl>
@@ -12026,7 +12372,7 @@
   <p:cSld>
     <p:spTree>
       <p:nvGrpSpPr>
-        <p:cNvPr id="109" name="Shape 109"/>
+        <p:cNvPr id="110" name="Shape 110"/>
         <p:cNvGrpSpPr/>
         <p:nvPr/>
       </p:nvGrpSpPr>
@@ -12040,7 +12386,7 @@
       </p:grpSpPr>
       <p:sp>
         <p:nvSpPr>
-          <p:cNvPr id="110" name="Google Shape;110;p21"/>
+          <p:cNvPr id="111" name="Google Shape;111;p21"/>
           <p:cNvSpPr txBox="1"/>
           <p:nvPr>
             <p:ph type="title"/>
@@ -12072,7 +12418,7 @@
             </a:pPr>
             <a:r>
               <a:rPr lang="en"/>
-              <a:t>Autocorrelation Function Plot (ACF)</a:t>
+              <a:t>Differencing</a:t>
             </a:r>
             <a:endParaRPr/>
           </a:p>
@@ -12080,7 +12426,7 @@
       </p:sp>
       <p:sp>
         <p:nvSpPr>
-          <p:cNvPr id="111" name="Google Shape;111;p21"/>
+          <p:cNvPr id="112" name="Google Shape;112;p21"/>
           <p:cNvSpPr txBox="1"/>
           <p:nvPr>
             <p:ph idx="1" type="body"/>
@@ -12097,7 +12443,7 @@
         </p:spPr>
         <p:txBody>
           <a:bodyPr anchorCtr="0" anchor="t" bIns="91425" lIns="91425" spcFirstLastPara="1" rIns="91425" wrap="square" tIns="91425">
-            <a:normAutofit/>
+            <a:normAutofit lnSpcReduction="10000"/>
           </a:bodyPr>
           <a:lstStyle/>
           <a:p>
@@ -12111,16 +12457,12 @@
               <a:buNone/>
             </a:pPr>
             <a:r>
+              <a:rPr b="1" lang="en"/>
+              <a:t>Differencing</a:t>
+            </a:r>
+            <a:r>
               <a:rPr lang="en"/>
-              <a:t>An ACF plot is a bar chart of the coefficients of correlation </a:t>
-            </a:r>
-            <a:r>
-              <a:rPr lang="en"/>
-              <a:t>coefficient</a:t>
-            </a:r>
-            <a:r>
-              <a:rPr lang="en"/>
-              <a:t> between a time series and its lagged values</a:t>
+              <a:t>: Transforming values in a time series by subtracting the prior value(s) </a:t>
             </a:r>
             <a:endParaRPr/>
           </a:p>
@@ -12136,23 +12478,7 @@
             </a:pPr>
             <a:r>
               <a:rPr lang="en"/>
-              <a:t>A value of 0.75 when lag is 10 means the correlation </a:t>
-            </a:r>
-            <a:r>
-              <a:rPr lang="en"/>
-              <a:t>coefficient</a:t>
-            </a:r>
-            <a:r>
-              <a:rPr lang="en"/>
-              <a:t> between the </a:t>
-            </a:r>
-            <a:r>
-              <a:rPr lang="en"/>
-              <a:t>series</a:t>
-            </a:r>
-            <a:r>
-              <a:rPr lang="en"/>
-              <a:t> and its value 10 periods prior is 75%</a:t>
+              <a:t>Used to make non-stationary data stationary</a:t>
             </a:r>
             <a:endParaRPr/>
           </a:p>
@@ -12162,12 +12488,45 @@
                 <a:spcPts val="1200"/>
               </a:spcBef>
               <a:spcAft>
+                <a:spcPts val="0"/>
+              </a:spcAft>
+              <a:buNone/>
+            </a:pPr>
+            <a:r>
+              <a:rPr lang="en"/>
+              <a:t>Interpretation of models may change*</a:t>
+            </a:r>
+            <a:endParaRPr/>
+          </a:p>
+          <a:p>
+            <a:pPr indent="0" lvl="0" marL="0" rtl="0" algn="l">
+              <a:spcBef>
                 <a:spcPts val="1200"/>
+              </a:spcBef>
+              <a:spcAft>
+                <a:spcPts val="0"/>
               </a:spcAft>
               <a:buNone/>
             </a:pPr>
             <a:r>
-              <a:t/>
+              <a:rPr lang="en"/>
+              <a:t>First difference of Yt = Yt - Yt-1</a:t>
+            </a:r>
+            <a:endParaRPr/>
+          </a:p>
+          <a:p>
+            <a:pPr indent="0" lvl="0" marL="0" rtl="0" algn="l">
+              <a:spcBef>
+                <a:spcPts val="1200"/>
+              </a:spcBef>
+              <a:spcAft>
+                <a:spcPts val="1200"/>
+              </a:spcAft>
+              <a:buNone/>
+            </a:pPr>
+            <a:r>
+              <a:rPr lang="en"/>
+              <a:t>Second difference of Yt = (Yt - Yt-1) - (Yt-1 - Yt-2)</a:t>
             </a:r>
             <a:endParaRPr/>
           </a:p>
@@ -12175,7 +12534,7 @@
       </p:sp>
       <p:pic>
         <p:nvPicPr>
-          <p:cNvPr id="112" name="Google Shape;112;p21"/>
+          <p:cNvPr id="113" name="Google Shape;113;p21"/>
           <p:cNvPicPr preferRelativeResize="0"/>
           <p:nvPr/>
         </p:nvPicPr>
@@ -12189,8 +12548,8 @@
         </p:blipFill>
         <p:spPr>
           <a:xfrm>
-            <a:off x="4724400" y="1170125"/>
-            <a:ext cx="4267199" cy="3255174"/>
+            <a:off x="5546075" y="592650"/>
+            <a:ext cx="2622126" cy="1679546"/>
           </a:xfrm>
           <a:prstGeom prst="rect">
             <a:avLst/>
@@ -12201,15 +12560,597 @@
           </a:ln>
         </p:spPr>
       </p:pic>
+      <p:pic>
+        <p:nvPicPr>
+          <p:cNvPr id="114" name="Google Shape;114;p21"/>
+          <p:cNvPicPr preferRelativeResize="0"/>
+          <p:nvPr/>
+        </p:nvPicPr>
+        <p:blipFill>
+          <a:blip r:embed="rId4">
+            <a:alphaModFix/>
+          </a:blip>
+          <a:stretch>
+            <a:fillRect/>
+          </a:stretch>
+        </p:blipFill>
+        <p:spPr>
+          <a:xfrm>
+            <a:off x="5546075" y="2723424"/>
+            <a:ext cx="2622116" cy="1679551"/>
+          </a:xfrm>
+          <a:prstGeom prst="rect">
+            <a:avLst/>
+          </a:prstGeom>
+          <a:noFill/>
+          <a:ln>
+            <a:noFill/>
+          </a:ln>
+        </p:spPr>
+      </p:pic>
     </p:spTree>
   </p:cSld>
   <p:clrMapOvr>
     <a:masterClrMapping/>
   </p:clrMapOvr>
+  <p:timing>
+    <p:tnLst>
+      <p:par>
+        <p:cTn dur="indefinite" nodeType="tmRoot" restart="never">
+          <p:childTnLst>
+            <p:seq concurrent="1" nextAc="seek">
+              <p:cTn dur="indefinite" id="2" nodeType="mainSeq">
+                <p:childTnLst>
+                  <p:par>
+                    <p:cTn fill="hold">
+                      <p:stCondLst>
+                        <p:cond delay="indefinite"/>
+                      </p:stCondLst>
+                      <p:childTnLst>
+                        <p:par>
+                          <p:cTn fill="hold">
+                            <p:stCondLst>
+                              <p:cond delay="0"/>
+                            </p:stCondLst>
+                            <p:childTnLst>
+                              <p:par>
+                                <p:cTn fill="hold" nodeType="clickEffect" presetClass="entr" presetID="1" presetSubtype="0">
+                                  <p:stCondLst>
+                                    <p:cond delay="0"/>
+                                  </p:stCondLst>
+                                  <p:childTnLst>
+                                    <p:set>
+                                      <p:cBhvr>
+                                        <p:cTn dur="1" fill="hold">
+                                          <p:stCondLst>
+                                            <p:cond delay="0"/>
+                                          </p:stCondLst>
+                                        </p:cTn>
+                                        <p:tgtEl>
+                                          <p:spTgt spid="112">
+                                            <p:txEl>
+                                              <p:pRg end="0" st="0"/>
+                                            </p:txEl>
+                                          </p:spTgt>
+                                        </p:tgtEl>
+                                        <p:attrNameLst>
+                                          <p:attrName>style.visibility</p:attrName>
+                                        </p:attrNameLst>
+                                      </p:cBhvr>
+                                      <p:to>
+                                        <p:strVal val="visible"/>
+                                      </p:to>
+                                    </p:set>
+                                  </p:childTnLst>
+                                </p:cTn>
+                              </p:par>
+                            </p:childTnLst>
+                          </p:cTn>
+                        </p:par>
+                      </p:childTnLst>
+                    </p:cTn>
+                  </p:par>
+                  <p:par>
+                    <p:cTn fill="hold">
+                      <p:stCondLst>
+                        <p:cond delay="indefinite"/>
+                      </p:stCondLst>
+                      <p:childTnLst>
+                        <p:par>
+                          <p:cTn fill="hold">
+                            <p:stCondLst>
+                              <p:cond delay="0"/>
+                            </p:stCondLst>
+                            <p:childTnLst>
+                              <p:par>
+                                <p:cTn fill="hold" nodeType="clickEffect" presetClass="entr" presetID="1" presetSubtype="0">
+                                  <p:stCondLst>
+                                    <p:cond delay="0"/>
+                                  </p:stCondLst>
+                                  <p:childTnLst>
+                                    <p:set>
+                                      <p:cBhvr>
+                                        <p:cTn dur="1" fill="hold">
+                                          <p:stCondLst>
+                                            <p:cond delay="0"/>
+                                          </p:stCondLst>
+                                        </p:cTn>
+                                        <p:tgtEl>
+                                          <p:spTgt spid="112">
+                                            <p:txEl>
+                                              <p:pRg end="1" st="1"/>
+                                            </p:txEl>
+                                          </p:spTgt>
+                                        </p:tgtEl>
+                                        <p:attrNameLst>
+                                          <p:attrName>style.visibility</p:attrName>
+                                        </p:attrNameLst>
+                                      </p:cBhvr>
+                                      <p:to>
+                                        <p:strVal val="visible"/>
+                                      </p:to>
+                                    </p:set>
+                                  </p:childTnLst>
+                                </p:cTn>
+                              </p:par>
+                            </p:childTnLst>
+                          </p:cTn>
+                        </p:par>
+                      </p:childTnLst>
+                    </p:cTn>
+                  </p:par>
+                  <p:par>
+                    <p:cTn fill="hold">
+                      <p:stCondLst>
+                        <p:cond delay="indefinite"/>
+                      </p:stCondLst>
+                      <p:childTnLst>
+                        <p:par>
+                          <p:cTn fill="hold">
+                            <p:stCondLst>
+                              <p:cond delay="0"/>
+                            </p:stCondLst>
+                            <p:childTnLst>
+                              <p:par>
+                                <p:cTn fill="hold" nodeType="clickEffect" presetClass="entr" presetID="1" presetSubtype="0">
+                                  <p:stCondLst>
+                                    <p:cond delay="0"/>
+                                  </p:stCondLst>
+                                  <p:childTnLst>
+                                    <p:set>
+                                      <p:cBhvr>
+                                        <p:cTn dur="1" fill="hold">
+                                          <p:stCondLst>
+                                            <p:cond delay="0"/>
+                                          </p:stCondLst>
+                                        </p:cTn>
+                                        <p:tgtEl>
+                                          <p:spTgt spid="112">
+                                            <p:txEl>
+                                              <p:pRg end="2" st="2"/>
+                                            </p:txEl>
+                                          </p:spTgt>
+                                        </p:tgtEl>
+                                        <p:attrNameLst>
+                                          <p:attrName>style.visibility</p:attrName>
+                                        </p:attrNameLst>
+                                      </p:cBhvr>
+                                      <p:to>
+                                        <p:strVal val="visible"/>
+                                      </p:to>
+                                    </p:set>
+                                  </p:childTnLst>
+                                </p:cTn>
+                              </p:par>
+                            </p:childTnLst>
+                          </p:cTn>
+                        </p:par>
+                      </p:childTnLst>
+                    </p:cTn>
+                  </p:par>
+                  <p:par>
+                    <p:cTn fill="hold">
+                      <p:stCondLst>
+                        <p:cond delay="indefinite"/>
+                      </p:stCondLst>
+                      <p:childTnLst>
+                        <p:par>
+                          <p:cTn fill="hold">
+                            <p:stCondLst>
+                              <p:cond delay="0"/>
+                            </p:stCondLst>
+                            <p:childTnLst>
+                              <p:par>
+                                <p:cTn fill="hold" nodeType="clickEffect" presetClass="entr" presetID="1" presetSubtype="0">
+                                  <p:stCondLst>
+                                    <p:cond delay="0"/>
+                                  </p:stCondLst>
+                                  <p:childTnLst>
+                                    <p:set>
+                                      <p:cBhvr>
+                                        <p:cTn dur="1" fill="hold">
+                                          <p:stCondLst>
+                                            <p:cond delay="0"/>
+                                          </p:stCondLst>
+                                        </p:cTn>
+                                        <p:tgtEl>
+                                          <p:spTgt spid="112">
+                                            <p:txEl>
+                                              <p:pRg end="3" st="3"/>
+                                            </p:txEl>
+                                          </p:spTgt>
+                                        </p:tgtEl>
+                                        <p:attrNameLst>
+                                          <p:attrName>style.visibility</p:attrName>
+                                        </p:attrNameLst>
+                                      </p:cBhvr>
+                                      <p:to>
+                                        <p:strVal val="visible"/>
+                                      </p:to>
+                                    </p:set>
+                                  </p:childTnLst>
+                                </p:cTn>
+                              </p:par>
+                            </p:childTnLst>
+                          </p:cTn>
+                        </p:par>
+                      </p:childTnLst>
+                    </p:cTn>
+                  </p:par>
+                  <p:par>
+                    <p:cTn fill="hold">
+                      <p:stCondLst>
+                        <p:cond delay="indefinite"/>
+                      </p:stCondLst>
+                      <p:childTnLst>
+                        <p:par>
+                          <p:cTn fill="hold">
+                            <p:stCondLst>
+                              <p:cond delay="0"/>
+                            </p:stCondLst>
+                            <p:childTnLst>
+                              <p:par>
+                                <p:cTn fill="hold" nodeType="clickEffect" presetClass="entr" presetID="1" presetSubtype="0">
+                                  <p:stCondLst>
+                                    <p:cond delay="0"/>
+                                  </p:stCondLst>
+                                  <p:childTnLst>
+                                    <p:set>
+                                      <p:cBhvr>
+                                        <p:cTn dur="1" fill="hold">
+                                          <p:stCondLst>
+                                            <p:cond delay="0"/>
+                                          </p:stCondLst>
+                                        </p:cTn>
+                                        <p:tgtEl>
+                                          <p:spTgt spid="112">
+                                            <p:txEl>
+                                              <p:pRg end="4" st="4"/>
+                                            </p:txEl>
+                                          </p:spTgt>
+                                        </p:tgtEl>
+                                        <p:attrNameLst>
+                                          <p:attrName>style.visibility</p:attrName>
+                                        </p:attrNameLst>
+                                      </p:cBhvr>
+                                      <p:to>
+                                        <p:strVal val="visible"/>
+                                      </p:to>
+                                    </p:set>
+                                  </p:childTnLst>
+                                </p:cTn>
+                              </p:par>
+                            </p:childTnLst>
+                          </p:cTn>
+                        </p:par>
+                      </p:childTnLst>
+                    </p:cTn>
+                  </p:par>
+                </p:childTnLst>
+              </p:cTn>
+              <p:prevCondLst>
+                <p:cond evt="onPrev">
+                  <p:tgtEl>
+                    <p:sldTgt/>
+                  </p:tgtEl>
+                </p:cond>
+              </p:prevCondLst>
+              <p:nextCondLst>
+                <p:cond evt="onNext">
+                  <p:tgtEl>
+                    <p:sldTgt/>
+                  </p:tgtEl>
+                </p:cond>
+              </p:nextCondLst>
+            </p:seq>
+          </p:childTnLst>
+        </p:cTn>
+      </p:par>
+    </p:tnLst>
+  </p:timing>
 </p:sld>
 </file>
 
 <file path=ppt/theme/theme1.xml><?xml version="1.0" encoding="utf-8"?>
+<a:theme xmlns:a="http://schemas.openxmlformats.org/drawingml/2006/main" xmlns:r="http://schemas.openxmlformats.org/officeDocument/2006/relationships">
+  <a:themeElements>
+    <a:clrScheme name="Default">
+      <a:dk1>
+        <a:srgbClr val="000000"/>
+      </a:dk1>
+      <a:lt1>
+        <a:srgbClr val="FFFFFF"/>
+      </a:lt1>
+      <a:dk2>
+        <a:srgbClr val="158158"/>
+      </a:dk2>
+      <a:lt2>
+        <a:srgbClr val="F3F3F3"/>
+      </a:lt2>
+      <a:accent1>
+        <a:srgbClr val="058DC7"/>
+      </a:accent1>
+      <a:accent2>
+        <a:srgbClr val="50B432"/>
+      </a:accent2>
+      <a:accent3>
+        <a:srgbClr val="ED561B"/>
+      </a:accent3>
+      <a:accent4>
+        <a:srgbClr val="EDEF00"/>
+      </a:accent4>
+      <a:accent5>
+        <a:srgbClr val="24CBE5"/>
+      </a:accent5>
+      <a:accent6>
+        <a:srgbClr val="64E572"/>
+      </a:accent6>
+      <a:hlink>
+        <a:srgbClr val="2200CC"/>
+      </a:hlink>
+      <a:folHlink>
+        <a:srgbClr val="551A8B"/>
+      </a:folHlink>
+    </a:clrScheme>
+    <a:fontScheme name="Office">
+      <a:majorFont>
+        <a:latin typeface="Arial"/>
+        <a:ea typeface=""/>
+        <a:cs typeface=""/>
+        <a:font script="Jpan" typeface="ＭＳ Ｐゴシック"/>
+        <a:font script="Hang" typeface="맑은 고딕"/>
+        <a:font script="Hans" typeface="宋体"/>
+        <a:font script="Hant" typeface="新細明體"/>
+        <a:font script="Arab" typeface="Times New Roman"/>
+        <a:font script="Hebr" typeface="Times New Roman"/>
+        <a:font script="Thai" typeface="Angsana New"/>
+        <a:font script="Ethi" typeface="Nyala"/>
+        <a:font script="Beng" typeface="Vrinda"/>
+        <a:font script="Gujr" typeface="Shruti"/>
+        <a:font script="Khmr" typeface="MoolBoran"/>
+        <a:font script="Knda" typeface="Tunga"/>
+        <a:font script="Guru" typeface="Raavi"/>
+        <a:font script="Cans" typeface="Euphemia"/>
+        <a:font script="Cher" typeface="Plantagenet Cherokee"/>
+        <a:font script="Yiii" typeface="Microsoft Yi Baiti"/>
+        <a:font script="Tibt" typeface="Microsoft Himalaya"/>
+        <a:font script="Thaa" typeface="MV Boli"/>
+        <a:font script="Deva" typeface="Mangal"/>
+        <a:font script="Telu" typeface="Gautami"/>
+        <a:font script="Taml" typeface="Latha"/>
+        <a:font script="Syrc" typeface="Estrangelo Edessa"/>
+        <a:font script="Orya" typeface="Kalinga"/>
+        <a:font script="Mlym" typeface="Kartika"/>
+        <a:font script="Laoo" typeface="DokChampa"/>
+        <a:font script="Sinh" typeface="Iskoola Pota"/>
+        <a:font script="Mong" typeface="Mongolian Baiti"/>
+        <a:font script="Viet" typeface="Times New Roman"/>
+        <a:font script="Uigh" typeface="Microsoft Uighur"/>
+        <a:font script="Geor" typeface="Sylfaen"/>
+      </a:majorFont>
+      <a:minorFont>
+        <a:latin typeface="Arial"/>
+        <a:ea typeface=""/>
+        <a:cs typeface=""/>
+        <a:font script="Jpan" typeface="ＭＳ Ｐゴシック"/>
+        <a:font script="Hang" typeface="맑은 고딕"/>
+        <a:font script="Hans" typeface="宋体"/>
+        <a:font script="Hant" typeface="新細明體"/>
+        <a:font script="Arab" typeface="Arial"/>
+        <a:font script="Hebr" typeface="Arial"/>
+        <a:font script="Thai" typeface="Cordia New"/>
+        <a:font script="Ethi" typeface="Nyala"/>
+        <a:font script="Beng" typeface="Vrinda"/>
+        <a:font script="Gujr" typeface="Shruti"/>
+        <a:font script="Khmr" typeface="DaunPenh"/>
+        <a:font script="Knda" typeface="Tunga"/>
+        <a:font script="Guru" typeface="Raavi"/>
+        <a:font script="Cans" typeface="Euphemia"/>
+        <a:font script="Cher" typeface="Plantagenet Cherokee"/>
+        <a:font script="Yiii" typeface="Microsoft Yi Baiti"/>
+        <a:font script="Tibt" typeface="Microsoft Himalaya"/>
+        <a:font script="Thaa" typeface="MV Boli"/>
+        <a:font script="Deva" typeface="Mangal"/>
+        <a:font script="Telu" typeface="Gautami"/>
+        <a:font script="Taml" typeface="Latha"/>
+        <a:font script="Syrc" typeface="Estrangelo Edessa"/>
+        <a:font script="Orya" typeface="Kalinga"/>
+        <a:font script="Mlym" typeface="Kartika"/>
+        <a:font script="Laoo" typeface="DokChampa"/>
+        <a:font script="Sinh" typeface="Iskoola Pota"/>
+        <a:font script="Mong" typeface="Mongolian Baiti"/>
+        <a:font script="Viet" typeface="Arial"/>
+        <a:font script="Uigh" typeface="Microsoft Uighur"/>
+        <a:font script="Geor" typeface="Sylfaen"/>
+      </a:minorFont>
+    </a:fontScheme>
+    <a:fmtScheme name="Office">
+      <a:fillStyleLst>
+        <a:solidFill>
+          <a:schemeClr val="phClr"/>
+        </a:solidFill>
+        <a:gradFill rotWithShape="1">
+          <a:gsLst>
+            <a:gs pos="0">
+              <a:schemeClr val="phClr">
+                <a:tint val="50000"/>
+                <a:satMod val="300000"/>
+              </a:schemeClr>
+            </a:gs>
+            <a:gs pos="35000">
+              <a:schemeClr val="phClr">
+                <a:tint val="37000"/>
+                <a:satMod val="300000"/>
+              </a:schemeClr>
+            </a:gs>
+            <a:gs pos="100000">
+              <a:schemeClr val="phClr">
+                <a:tint val="15000"/>
+                <a:satMod val="350000"/>
+              </a:schemeClr>
+            </a:gs>
+          </a:gsLst>
+          <a:lin ang="16200000" scaled="1"/>
+        </a:gradFill>
+        <a:gradFill rotWithShape="1">
+          <a:gsLst>
+            <a:gs pos="0">
+              <a:schemeClr val="phClr">
+                <a:tint val="100000"/>
+                <a:shade val="100000"/>
+                <a:satMod val="130000"/>
+              </a:schemeClr>
+            </a:gs>
+            <a:gs pos="100000">
+              <a:schemeClr val="phClr">
+                <a:tint val="50000"/>
+                <a:shade val="100000"/>
+                <a:satMod val="350000"/>
+              </a:schemeClr>
+            </a:gs>
+          </a:gsLst>
+          <a:lin ang="16200000" scaled="0"/>
+        </a:gradFill>
+      </a:fillStyleLst>
+      <a:lnStyleLst>
+        <a:ln w="9525" cap="flat" cmpd="sng" algn="ctr">
+          <a:solidFill>
+            <a:schemeClr val="phClr">
+              <a:shade val="95000"/>
+              <a:satMod val="105000"/>
+            </a:schemeClr>
+          </a:solidFill>
+          <a:prstDash val="solid"/>
+        </a:ln>
+        <a:ln w="25400" cap="flat" cmpd="sng" algn="ctr">
+          <a:solidFill>
+            <a:schemeClr val="phClr"/>
+          </a:solidFill>
+          <a:prstDash val="solid"/>
+        </a:ln>
+        <a:ln w="38100" cap="flat" cmpd="sng" algn="ctr">
+          <a:solidFill>
+            <a:schemeClr val="phClr"/>
+          </a:solidFill>
+          <a:prstDash val="solid"/>
+        </a:ln>
+      </a:lnStyleLst>
+      <a:effectStyleLst>
+        <a:effectStyle>
+          <a:effectLst>
+            <a:outerShdw blurRad="40000" dist="20000" dir="5400000" rotWithShape="0">
+              <a:srgbClr val="000000">
+                <a:alpha val="38000"/>
+              </a:srgbClr>
+            </a:outerShdw>
+          </a:effectLst>
+        </a:effectStyle>
+        <a:effectStyle>
+          <a:effectLst>
+            <a:outerShdw blurRad="40000" dist="23000" dir="5400000" rotWithShape="0">
+              <a:srgbClr val="000000">
+                <a:alpha val="35000"/>
+              </a:srgbClr>
+            </a:outerShdw>
+          </a:effectLst>
+        </a:effectStyle>
+        <a:effectStyle>
+          <a:effectLst>
+            <a:outerShdw blurRad="40000" dist="23000" dir="5400000" rotWithShape="0">
+              <a:srgbClr val="000000">
+                <a:alpha val="35000"/>
+              </a:srgbClr>
+            </a:outerShdw>
+          </a:effectLst>
+          <a:scene3d>
+            <a:camera prst="orthographicFront">
+              <a:rot lat="0" lon="0" rev="0"/>
+            </a:camera>
+            <a:lightRig rig="threePt" dir="t">
+              <a:rot lat="0" lon="0" rev="1200000"/>
+            </a:lightRig>
+          </a:scene3d>
+          <a:sp3d>
+            <a:bevelT w="63500" h="25400"/>
+          </a:sp3d>
+        </a:effectStyle>
+      </a:effectStyleLst>
+      <a:bgFillStyleLst>
+        <a:solidFill>
+          <a:schemeClr val="phClr"/>
+        </a:solidFill>
+        <a:gradFill rotWithShape="1">
+          <a:gsLst>
+            <a:gs pos="0">
+              <a:schemeClr val="phClr">
+                <a:tint val="40000"/>
+                <a:satMod val="350000"/>
+              </a:schemeClr>
+            </a:gs>
+            <a:gs pos="40000">
+              <a:schemeClr val="phClr">
+                <a:tint val="45000"/>
+                <a:shade val="99000"/>
+                <a:satMod val="350000"/>
+              </a:schemeClr>
+            </a:gs>
+            <a:gs pos="100000">
+              <a:schemeClr val="phClr">
+                <a:shade val="20000"/>
+                <a:satMod val="255000"/>
+              </a:schemeClr>
+            </a:gs>
+          </a:gsLst>
+          <a:path path="circle">
+            <a:fillToRect l="50000" t="-80000" r="50000" b="180000"/>
+          </a:path>
+        </a:gradFill>
+        <a:gradFill rotWithShape="1">
+          <a:gsLst>
+            <a:gs pos="0">
+              <a:schemeClr val="phClr">
+                <a:tint val="80000"/>
+                <a:satMod val="300000"/>
+              </a:schemeClr>
+            </a:gs>
+            <a:gs pos="100000">
+              <a:schemeClr val="phClr">
+                <a:shade val="30000"/>
+                <a:satMod val="200000"/>
+              </a:schemeClr>
+            </a:gs>
+          </a:gsLst>
+          <a:path path="circle">
+            <a:fillToRect l="50000" t="50000" r="50000" b="50000"/>
+          </a:path>
+        </a:gradFill>
+      </a:bgFillStyleLst>
+    </a:fmtScheme>
+  </a:themeElements>
+</a:theme>
+</file>
+
+<file path=ppt/theme/theme2.xml><?xml version="1.0" encoding="utf-8"?>
 <a:theme xmlns:a="http://schemas.openxmlformats.org/drawingml/2006/main" xmlns:r="http://schemas.openxmlformats.org/officeDocument/2006/relationships" name="Simple Light">
   <a:themeElements>
     <a:clrScheme name="Simple Light">
@@ -12486,283 +13427,4 @@
     </a:fmtScheme>
   </a:themeElements>
 </a:theme>
-</file>
-
-<file path=ppt/theme/theme2.xml><?xml version="1.0" encoding="utf-8"?>
-<a:theme xmlns:a="http://schemas.openxmlformats.org/drawingml/2006/main" xmlns:r="http://schemas.openxmlformats.org/officeDocument/2006/relationships">
-  <a:themeElements>
-    <a:clrScheme name="Default">
-      <a:dk1>
-        <a:srgbClr val="000000"/>
-      </a:dk1>
-      <a:lt1>
-        <a:srgbClr val="FFFFFF"/>
-      </a:lt1>
-      <a:dk2>
-        <a:srgbClr val="158158"/>
-      </a:dk2>
-      <a:lt2>
-        <a:srgbClr val="F3F3F3"/>
-      </a:lt2>
-      <a:accent1>
-        <a:srgbClr val="058DC7"/>
-      </a:accent1>
-      <a:accent2>
-        <a:srgbClr val="50B432"/>
-      </a:accent2>
-      <a:accent3>
-        <a:srgbClr val="ED561B"/>
-      </a:accent3>
-      <a:accent4>
-        <a:srgbClr val="EDEF00"/>
-      </a:accent4>
-      <a:accent5>
-        <a:srgbClr val="24CBE5"/>
-      </a:accent5>
-      <a:accent6>
-        <a:srgbClr val="64E572"/>
-      </a:accent6>
-      <a:hlink>
-        <a:srgbClr val="2200CC"/>
-      </a:hlink>
-      <a:folHlink>
-        <a:srgbClr val="551A8B"/>
-      </a:folHlink>
-    </a:clrScheme>
-    <a:fontScheme name="Office">
-      <a:majorFont>
-        <a:latin typeface="Arial"/>
-        <a:ea typeface=""/>
-        <a:cs typeface=""/>
-        <a:font script="Jpan" typeface="ＭＳ Ｐゴシック"/>
-        <a:font script="Hang" typeface="맑은 고딕"/>
-        <a:font script="Hans" typeface="宋体"/>
-        <a:font script="Hant" typeface="新細明體"/>
-        <a:font script="Arab" typeface="Times New Roman"/>
-        <a:font script="Hebr" typeface="Times New Roman"/>
-        <a:font script="Thai" typeface="Angsana New"/>
-        <a:font script="Ethi" typeface="Nyala"/>
-        <a:font script="Beng" typeface="Vrinda"/>
-        <a:font script="Gujr" typeface="Shruti"/>
-        <a:font script="Khmr" typeface="MoolBoran"/>
-        <a:font script="Knda" typeface="Tunga"/>
-        <a:font script="Guru" typeface="Raavi"/>
-        <a:font script="Cans" typeface="Euphemia"/>
-        <a:font script="Cher" typeface="Plantagenet Cherokee"/>
-        <a:font script="Yiii" typeface="Microsoft Yi Baiti"/>
-        <a:font script="Tibt" typeface="Microsoft Himalaya"/>
-        <a:font script="Thaa" typeface="MV Boli"/>
-        <a:font script="Deva" typeface="Mangal"/>
-        <a:font script="Telu" typeface="Gautami"/>
-        <a:font script="Taml" typeface="Latha"/>
-        <a:font script="Syrc" typeface="Estrangelo Edessa"/>
-        <a:font script="Orya" typeface="Kalinga"/>
-        <a:font script="Mlym" typeface="Kartika"/>
-        <a:font script="Laoo" typeface="DokChampa"/>
-        <a:font script="Sinh" typeface="Iskoola Pota"/>
-        <a:font script="Mong" typeface="Mongolian Baiti"/>
-        <a:font script="Viet" typeface="Times New Roman"/>
-        <a:font script="Uigh" typeface="Microsoft Uighur"/>
-        <a:font script="Geor" typeface="Sylfaen"/>
-      </a:majorFont>
-      <a:minorFont>
-        <a:latin typeface="Arial"/>
-        <a:ea typeface=""/>
-        <a:cs typeface=""/>
-        <a:font script="Jpan" typeface="ＭＳ Ｐゴシック"/>
-        <a:font script="Hang" typeface="맑은 고딕"/>
-        <a:font script="Hans" typeface="宋体"/>
-        <a:font script="Hant" typeface="新細明體"/>
-        <a:font script="Arab" typeface="Arial"/>
-        <a:font script="Hebr" typeface="Arial"/>
-        <a:font script="Thai" typeface="Cordia New"/>
-        <a:font script="Ethi" typeface="Nyala"/>
-        <a:font script="Beng" typeface="Vrinda"/>
-        <a:font script="Gujr" typeface="Shruti"/>
-        <a:font script="Khmr" typeface="DaunPenh"/>
-        <a:font script="Knda" typeface="Tunga"/>
-        <a:font script="Guru" typeface="Raavi"/>
-        <a:font script="Cans" typeface="Euphemia"/>
-        <a:font script="Cher" typeface="Plantagenet Cherokee"/>
-        <a:font script="Yiii" typeface="Microsoft Yi Baiti"/>
-        <a:font script="Tibt" typeface="Microsoft Himalaya"/>
-        <a:font script="Thaa" typeface="MV Boli"/>
-        <a:font script="Deva" typeface="Mangal"/>
-        <a:font script="Telu" typeface="Gautami"/>
-        <a:font script="Taml" typeface="Latha"/>
-        <a:font script="Syrc" typeface="Estrangelo Edessa"/>
-        <a:font script="Orya" typeface="Kalinga"/>
-        <a:font script="Mlym" typeface="Kartika"/>
-        <a:font script="Laoo" typeface="DokChampa"/>
-        <a:font script="Sinh" typeface="Iskoola Pota"/>
-        <a:font script="Mong" typeface="Mongolian Baiti"/>
-        <a:font script="Viet" typeface="Arial"/>
-        <a:font script="Uigh" typeface="Microsoft Uighur"/>
-        <a:font script="Geor" typeface="Sylfaen"/>
-      </a:minorFont>
-    </a:fontScheme>
-    <a:fmtScheme name="Office">
-      <a:fillStyleLst>
-        <a:solidFill>
-          <a:schemeClr val="phClr"/>
-        </a:solidFill>
-        <a:gradFill rotWithShape="1">
-          <a:gsLst>
-            <a:gs pos="0">
-              <a:schemeClr val="phClr">
-                <a:tint val="50000"/>
-                <a:satMod val="300000"/>
-              </a:schemeClr>
-            </a:gs>
-            <a:gs pos="35000">
-              <a:schemeClr val="phClr">
-                <a:tint val="37000"/>
-                <a:satMod val="300000"/>
-              </a:schemeClr>
-            </a:gs>
-            <a:gs pos="100000">
-              <a:schemeClr val="phClr">
-                <a:tint val="15000"/>
-                <a:satMod val="350000"/>
-              </a:schemeClr>
-            </a:gs>
-          </a:gsLst>
-          <a:lin ang="16200000" scaled="1"/>
-        </a:gradFill>
-        <a:gradFill rotWithShape="1">
-          <a:gsLst>
-            <a:gs pos="0">
-              <a:schemeClr val="phClr">
-                <a:tint val="100000"/>
-                <a:shade val="100000"/>
-                <a:satMod val="130000"/>
-              </a:schemeClr>
-            </a:gs>
-            <a:gs pos="100000">
-              <a:schemeClr val="phClr">
-                <a:tint val="50000"/>
-                <a:shade val="100000"/>
-                <a:satMod val="350000"/>
-              </a:schemeClr>
-            </a:gs>
-          </a:gsLst>
-          <a:lin ang="16200000" scaled="0"/>
-        </a:gradFill>
-      </a:fillStyleLst>
-      <a:lnStyleLst>
-        <a:ln w="9525" cap="flat" cmpd="sng" algn="ctr">
-          <a:solidFill>
-            <a:schemeClr val="phClr">
-              <a:shade val="95000"/>
-              <a:satMod val="105000"/>
-            </a:schemeClr>
-          </a:solidFill>
-          <a:prstDash val="solid"/>
-        </a:ln>
-        <a:ln w="25400" cap="flat" cmpd="sng" algn="ctr">
-          <a:solidFill>
-            <a:schemeClr val="phClr"/>
-          </a:solidFill>
-          <a:prstDash val="solid"/>
-        </a:ln>
-        <a:ln w="38100" cap="flat" cmpd="sng" algn="ctr">
-          <a:solidFill>
-            <a:schemeClr val="phClr"/>
-          </a:solidFill>
-          <a:prstDash val="solid"/>
-        </a:ln>
-      </a:lnStyleLst>
-      <a:effectStyleLst>
-        <a:effectStyle>
-          <a:effectLst>
-            <a:outerShdw blurRad="40000" dist="20000" dir="5400000" rotWithShape="0">
-              <a:srgbClr val="000000">
-                <a:alpha val="38000"/>
-              </a:srgbClr>
-            </a:outerShdw>
-          </a:effectLst>
-        </a:effectStyle>
-        <a:effectStyle>
-          <a:effectLst>
-            <a:outerShdw blurRad="40000" dist="23000" dir="5400000" rotWithShape="0">
-              <a:srgbClr val="000000">
-                <a:alpha val="35000"/>
-              </a:srgbClr>
-            </a:outerShdw>
-          </a:effectLst>
-        </a:effectStyle>
-        <a:effectStyle>
-          <a:effectLst>
-            <a:outerShdw blurRad="40000" dist="23000" dir="5400000" rotWithShape="0">
-              <a:srgbClr val="000000">
-                <a:alpha val="35000"/>
-              </a:srgbClr>
-            </a:outerShdw>
-          </a:effectLst>
-          <a:scene3d>
-            <a:camera prst="orthographicFront">
-              <a:rot lat="0" lon="0" rev="0"/>
-            </a:camera>
-            <a:lightRig rig="threePt" dir="t">
-              <a:rot lat="0" lon="0" rev="1200000"/>
-            </a:lightRig>
-          </a:scene3d>
-          <a:sp3d>
-            <a:bevelT w="63500" h="25400"/>
-          </a:sp3d>
-        </a:effectStyle>
-      </a:effectStyleLst>
-      <a:bgFillStyleLst>
-        <a:solidFill>
-          <a:schemeClr val="phClr"/>
-        </a:solidFill>
-        <a:gradFill rotWithShape="1">
-          <a:gsLst>
-            <a:gs pos="0">
-              <a:schemeClr val="phClr">
-                <a:tint val="40000"/>
-                <a:satMod val="350000"/>
-              </a:schemeClr>
-            </a:gs>
-            <a:gs pos="40000">
-              <a:schemeClr val="phClr">
-                <a:tint val="45000"/>
-                <a:shade val="99000"/>
-                <a:satMod val="350000"/>
-              </a:schemeClr>
-            </a:gs>
-            <a:gs pos="100000">
-              <a:schemeClr val="phClr">
-                <a:shade val="20000"/>
-                <a:satMod val="255000"/>
-              </a:schemeClr>
-            </a:gs>
-          </a:gsLst>
-          <a:path path="circle">
-            <a:fillToRect l="50000" t="-80000" r="50000" b="180000"/>
-          </a:path>
-        </a:gradFill>
-        <a:gradFill rotWithShape="1">
-          <a:gsLst>
-            <a:gs pos="0">
-              <a:schemeClr val="phClr">
-                <a:tint val="80000"/>
-                <a:satMod val="300000"/>
-              </a:schemeClr>
-            </a:gs>
-            <a:gs pos="100000">
-              <a:schemeClr val="phClr">
-                <a:shade val="30000"/>
-                <a:satMod val="200000"/>
-              </a:schemeClr>
-            </a:gs>
-          </a:gsLst>
-          <a:path path="circle">
-            <a:fillToRect l="50000" t="50000" r="50000" b="50000"/>
-          </a:path>
-        </a:gradFill>
-      </a:bgFillStyleLst>
-    </a:fmtScheme>
-  </a:themeElements>
-</a:theme>
 </file>